--- a/Data Asteroid.pptx
+++ b/Data Asteroid.pptx
@@ -7,12 +7,14 @@
   <p:sldIdLst>
     <p:sldId id="256" r:id="rId2"/>
     <p:sldId id="257" r:id="rId3"/>
-    <p:sldId id="258" r:id="rId4"/>
-    <p:sldId id="259" r:id="rId5"/>
-    <p:sldId id="260" r:id="rId6"/>
-    <p:sldId id="261" r:id="rId7"/>
-    <p:sldId id="262" r:id="rId8"/>
-    <p:sldId id="263" r:id="rId9"/>
+    <p:sldId id="264" r:id="rId4"/>
+    <p:sldId id="258" r:id="rId5"/>
+    <p:sldId id="259" r:id="rId6"/>
+    <p:sldId id="260" r:id="rId7"/>
+    <p:sldId id="261" r:id="rId8"/>
+    <p:sldId id="265" r:id="rId9"/>
+    <p:sldId id="262" r:id="rId10"/>
+    <p:sldId id="263" r:id="rId11"/>
   </p:sldIdLst>
   <p:sldSz cx="12192000" cy="6858000"/>
   <p:notesSz cx="6858000" cy="9144000"/>
@@ -111,6 +113,11 @@
       </a:defRPr>
     </a:lvl9pPr>
   </p:defaultTextStyle>
+  <p:extLst>
+    <p:ext uri="{EFAFB233-063F-42B5-8137-9DF3F51BA10A}">
+      <p15:sldGuideLst xmlns:p15="http://schemas.microsoft.com/office/powerpoint/2012/main"/>
+    </p:ext>
+  </p:extLst>
 </p:presentation>
 </file>
 
@@ -303,7 +310,7 @@
             <a:fld id="{B61BEF0D-F0BB-DE4B-95CE-6DB70DBA9567}" type="datetimeFigureOut">
               <a:rPr lang="en-US" dirty="0"/>
               <a:pPr/>
-              <a:t>12/11/2019</a:t>
+              <a:t>12/13/2019</a:t>
             </a:fld>
             <a:endParaRPr lang="en-US" dirty="0"/>
           </a:p>
@@ -638,7 +645,7 @@
             <a:fld id="{B61BEF0D-F0BB-DE4B-95CE-6DB70DBA9567}" type="datetimeFigureOut">
               <a:rPr lang="en-US" dirty="0"/>
               <a:pPr/>
-              <a:t>12/11/2019</a:t>
+              <a:t>12/13/2019</a:t>
             </a:fld>
             <a:endParaRPr lang="en-US" dirty="0"/>
           </a:p>
@@ -1036,7 +1043,7 @@
             <a:fld id="{B61BEF0D-F0BB-DE4B-95CE-6DB70DBA9567}" type="datetimeFigureOut">
               <a:rPr lang="en-US" dirty="0"/>
               <a:pPr/>
-              <a:t>12/11/2019</a:t>
+              <a:t>12/13/2019</a:t>
             </a:fld>
             <a:endParaRPr lang="en-US" dirty="0"/>
           </a:p>
@@ -1369,7 +1376,7 @@
             <a:fld id="{B61BEF0D-F0BB-DE4B-95CE-6DB70DBA9567}" type="datetimeFigureOut">
               <a:rPr lang="en-US" dirty="0"/>
               <a:pPr/>
-              <a:t>12/11/2019</a:t>
+              <a:t>12/13/2019</a:t>
             </a:fld>
             <a:endParaRPr lang="en-US" dirty="0"/>
           </a:p>
@@ -1686,7 +1693,7 @@
             <a:fld id="{B61BEF0D-F0BB-DE4B-95CE-6DB70DBA9567}" type="datetimeFigureOut">
               <a:rPr lang="en-US" dirty="0"/>
               <a:pPr/>
-              <a:t>12/11/2019</a:t>
+              <a:t>12/13/2019</a:t>
             </a:fld>
             <a:endParaRPr lang="en-US" dirty="0"/>
           </a:p>
@@ -2079,7 +2086,7 @@
             <a:fld id="{B61BEF0D-F0BB-DE4B-95CE-6DB70DBA9567}" type="datetimeFigureOut">
               <a:rPr lang="en-US" dirty="0"/>
               <a:pPr/>
-              <a:t>12/11/2019</a:t>
+              <a:t>12/13/2019</a:t>
             </a:fld>
             <a:endParaRPr lang="en-US" dirty="0"/>
           </a:p>
@@ -2333,7 +2340,7 @@
             <a:fld id="{B61BEF0D-F0BB-DE4B-95CE-6DB70DBA9567}" type="datetimeFigureOut">
               <a:rPr lang="en-US" dirty="0"/>
               <a:pPr/>
-              <a:t>12/11/2019</a:t>
+              <a:t>12/13/2019</a:t>
             </a:fld>
             <a:endParaRPr lang="en-US" dirty="0"/>
           </a:p>
@@ -2592,7 +2599,7 @@
             <a:fld id="{B61BEF0D-F0BB-DE4B-95CE-6DB70DBA9567}" type="datetimeFigureOut">
               <a:rPr lang="en-US" dirty="0"/>
               <a:pPr/>
-              <a:t>12/11/2019</a:t>
+              <a:t>12/13/2019</a:t>
             </a:fld>
             <a:endParaRPr lang="en-US" dirty="0"/>
           </a:p>
@@ -2851,7 +2858,7 @@
             <a:fld id="{B61BEF0D-F0BB-DE4B-95CE-6DB70DBA9567}" type="datetimeFigureOut">
               <a:rPr lang="en-US" dirty="0"/>
               <a:pPr/>
-              <a:t>12/11/2019</a:t>
+              <a:t>12/13/2019</a:t>
             </a:fld>
             <a:endParaRPr lang="en-US" dirty="0"/>
           </a:p>
@@ -3177,7 +3184,7 @@
             <a:fld id="{B61BEF0D-F0BB-DE4B-95CE-6DB70DBA9567}" type="datetimeFigureOut">
               <a:rPr lang="en-US" dirty="0"/>
               <a:pPr/>
-              <a:t>12/11/2019</a:t>
+              <a:t>12/13/2019</a:t>
             </a:fld>
             <a:endParaRPr lang="en-US" dirty="0"/>
           </a:p>
@@ -3497,7 +3504,7 @@
             <a:fld id="{B61BEF0D-F0BB-DE4B-95CE-6DB70DBA9567}" type="datetimeFigureOut">
               <a:rPr lang="en-US" dirty="0"/>
               <a:pPr/>
-              <a:t>12/11/2019</a:t>
+              <a:t>12/13/2019</a:t>
             </a:fld>
             <a:endParaRPr lang="en-US" dirty="0"/>
           </a:p>
@@ -3951,7 +3958,7 @@
             <a:fld id="{B61BEF0D-F0BB-DE4B-95CE-6DB70DBA9567}" type="datetimeFigureOut">
               <a:rPr lang="en-US" dirty="0"/>
               <a:pPr/>
-              <a:t>12/11/2019</a:t>
+              <a:t>12/13/2019</a:t>
             </a:fld>
             <a:endParaRPr lang="en-US" dirty="0"/>
           </a:p>
@@ -4153,7 +4160,7 @@
             <a:fld id="{B61BEF0D-F0BB-DE4B-95CE-6DB70DBA9567}" type="datetimeFigureOut">
               <a:rPr lang="en-US" dirty="0"/>
               <a:pPr/>
-              <a:t>12/11/2019</a:t>
+              <a:t>12/13/2019</a:t>
             </a:fld>
             <a:endParaRPr lang="en-US" dirty="0"/>
           </a:p>
@@ -4327,7 +4334,7 @@
             <a:fld id="{B61BEF0D-F0BB-DE4B-95CE-6DB70DBA9567}" type="datetimeFigureOut">
               <a:rPr lang="en-US" dirty="0"/>
               <a:pPr/>
-              <a:t>12/11/2019</a:t>
+              <a:t>12/13/2019</a:t>
             </a:fld>
             <a:endParaRPr lang="en-US" dirty="0"/>
           </a:p>
@@ -4657,7 +4664,7 @@
             <a:fld id="{B61BEF0D-F0BB-DE4B-95CE-6DB70DBA9567}" type="datetimeFigureOut">
               <a:rPr lang="en-US" dirty="0"/>
               <a:pPr/>
-              <a:t>12/11/2019</a:t>
+              <a:t>12/13/2019</a:t>
             </a:fld>
             <a:endParaRPr lang="en-US" dirty="0"/>
           </a:p>
@@ -4999,7 +5006,7 @@
             <a:fld id="{B61BEF0D-F0BB-DE4B-95CE-6DB70DBA9567}" type="datetimeFigureOut">
               <a:rPr lang="en-US" dirty="0"/>
               <a:pPr/>
-              <a:t>12/11/2019</a:t>
+              <a:t>12/13/2019</a:t>
             </a:fld>
             <a:endParaRPr lang="en-US" dirty="0"/>
           </a:p>
@@ -7113,7 +7120,7 @@
             <a:fld id="{B61BEF0D-F0BB-DE4B-95CE-6DB70DBA9567}" type="datetimeFigureOut">
               <a:rPr lang="en-US" dirty="0"/>
               <a:pPr/>
-              <a:t>12/11/2019</a:t>
+              <a:t>12/13/2019</a:t>
             </a:fld>
             <a:endParaRPr lang="en-US" dirty="0"/>
           </a:p>
@@ -7644,7 +7651,7 @@
           <a:p>
             <a:r>
               <a:rPr lang="en-US" dirty="0" smtClean="0"/>
-              <a:t>Data Asteroid</a:t>
+              <a:t>Space Invaders</a:t>
             </a:r>
             <a:endParaRPr lang="en-US" dirty="0"/>
           </a:p>
@@ -7677,6 +7684,111 @@
     <p:extLst>
       <p:ext uri="{BB962C8B-B14F-4D97-AF65-F5344CB8AC3E}">
         <p14:creationId xmlns:p14="http://schemas.microsoft.com/office/powerpoint/2010/main" val="1589312050"/>
+      </p:ext>
+    </p:extLst>
+  </p:cSld>
+  <p:clrMapOvr>
+    <a:masterClrMapping/>
+  </p:clrMapOvr>
+  <p:timing>
+    <p:tnLst>
+      <p:par>
+        <p:cTn id="1" dur="indefinite" restart="never" nodeType="tmRoot"/>
+      </p:par>
+    </p:tnLst>
+  </p:timing>
+</p:sld>
+</file>
+
+<file path=ppt/slides/slide10.xml><?xml version="1.0" encoding="utf-8"?>
+<p:sld xmlns:a="http://schemas.openxmlformats.org/drawingml/2006/main" xmlns:r="http://schemas.openxmlformats.org/officeDocument/2006/relationships" xmlns:p="http://schemas.openxmlformats.org/presentationml/2006/main">
+  <p:cSld>
+    <p:spTree>
+      <p:nvGrpSpPr>
+        <p:cNvPr id="1" name=""/>
+        <p:cNvGrpSpPr/>
+        <p:nvPr/>
+      </p:nvGrpSpPr>
+      <p:grpSpPr>
+        <a:xfrm>
+          <a:off x="0" y="0"/>
+          <a:ext cx="0" cy="0"/>
+          <a:chOff x="0" y="0"/>
+          <a:chExt cx="0" cy="0"/>
+        </a:xfrm>
+      </p:grpSpPr>
+      <p:sp>
+        <p:nvSpPr>
+          <p:cNvPr id="2" name="Title 1"/>
+          <p:cNvSpPr>
+            <a:spLocks noGrp="1"/>
+          </p:cNvSpPr>
+          <p:nvPr>
+            <p:ph type="title"/>
+          </p:nvPr>
+        </p:nvSpPr>
+        <p:spPr/>
+        <p:txBody>
+          <a:bodyPr/>
+          <a:lstStyle/>
+          <a:p>
+            <a:r>
+              <a:rPr lang="en-US" dirty="0" smtClean="0"/>
+              <a:t>Feedback</a:t>
+            </a:r>
+            <a:endParaRPr lang="en-US" dirty="0"/>
+          </a:p>
+        </p:txBody>
+      </p:sp>
+      <p:sp>
+        <p:nvSpPr>
+          <p:cNvPr id="3" name="Content Placeholder 2"/>
+          <p:cNvSpPr>
+            <a:spLocks noGrp="1"/>
+          </p:cNvSpPr>
+          <p:nvPr>
+            <p:ph idx="1"/>
+          </p:nvPr>
+        </p:nvSpPr>
+        <p:spPr/>
+        <p:txBody>
+          <a:bodyPr/>
+          <a:lstStyle/>
+          <a:p>
+            <a:endParaRPr lang="en-US" dirty="0"/>
+          </a:p>
+          <a:p>
+            <a:pPr marL="0" indent="0">
+              <a:buNone/>
+            </a:pPr>
+            <a:r>
+              <a:rPr lang="en-US" dirty="0" smtClean="0"/>
+              <a:t>      </a:t>
+            </a:r>
+          </a:p>
+          <a:p>
+            <a:pPr marL="0" indent="0">
+              <a:buNone/>
+            </a:pPr>
+            <a:r>
+              <a:rPr lang="en-US" dirty="0"/>
+              <a:t> </a:t>
+            </a:r>
+            <a:r>
+              <a:rPr lang="en-US" dirty="0" smtClean="0"/>
+              <a:t>                                                      </a:t>
+            </a:r>
+            <a:r>
+              <a:rPr lang="en-US" sz="4000" dirty="0" smtClean="0"/>
+              <a:t>Q/A</a:t>
+            </a:r>
+          </a:p>
+        </p:txBody>
+      </p:sp>
+    </p:spTree>
+    <p:extLst>
+      <p:ext uri="{BB962C8B-B14F-4D97-AF65-F5344CB8AC3E}">
+        <p14:creationId xmlns:p14="http://schemas.microsoft.com/office/powerpoint/2010/main" val="1269787419"/>
       </p:ext>
     </p:extLst>
   </p:cSld>
@@ -7734,6 +7846,10 @@
           <a:p>
             <a:r>
               <a:rPr lang="en-US" dirty="0" smtClean="0"/>
+              <a:t>Application </a:t>
+            </a:r>
+            <a:r>
+              <a:rPr lang="en-US" dirty="0" smtClean="0"/>
               <a:t>Overview</a:t>
             </a:r>
             <a:endParaRPr lang="en-US" dirty="0"/>
@@ -7753,7 +7869,7 @@
         <p:spPr/>
         <p:txBody>
           <a:bodyPr>
-            <a:normAutofit fontScale="92500" lnSpcReduction="20000"/>
+            <a:normAutofit/>
           </a:bodyPr>
           <a:lstStyle/>
           <a:p>
@@ -7761,108 +7877,114 @@
               <a:buNone/>
             </a:pPr>
             <a:r>
-              <a:rPr lang="en-US" dirty="0" smtClean="0">
-                <a:latin typeface="Arial" panose="020B0604020202020204" pitchFamily="34" charset="0"/>
+              <a:rPr lang="en-US" sz="2400" dirty="0" smtClean="0">
+                <a:latin typeface="Californian FB" panose="0207040306080B030204" pitchFamily="18" charset="0"/>
                 <a:cs typeface="Arial" panose="020B0604020202020204" pitchFamily="34" charset="0"/>
               </a:rPr>
-              <a:t>This app has been created  using NASA API to search for </a:t>
-            </a:r>
-            <a:r>
-              <a:rPr lang="en-US" dirty="0">
-                <a:latin typeface="Arial" panose="020B0604020202020204" pitchFamily="34" charset="0"/>
+              <a:t>This app has been created  using NASA </a:t>
+            </a:r>
+            <a:r>
+              <a:rPr lang="en-US" sz="2400" dirty="0" smtClean="0">
+                <a:latin typeface="Californian FB" panose="0207040306080B030204" pitchFamily="18" charset="0"/>
                 <a:cs typeface="Arial" panose="020B0604020202020204" pitchFamily="34" charset="0"/>
               </a:rPr>
-              <a:t>a</a:t>
-            </a:r>
-            <a:r>
-              <a:rPr lang="en-US" dirty="0" smtClean="0">
-                <a:latin typeface="Arial" panose="020B0604020202020204" pitchFamily="34" charset="0"/>
+              <a:t>API and Geo Code API </a:t>
+            </a:r>
+            <a:r>
+              <a:rPr lang="en-US" sz="2400" dirty="0" smtClean="0">
+                <a:latin typeface="Californian FB" panose="0207040306080B030204" pitchFamily="18" charset="0"/>
                 <a:cs typeface="Arial" panose="020B0604020202020204" pitchFamily="34" charset="0"/>
               </a:rPr>
-              <a:t>steroids. With this API we are able to get asteroid data such as  Speed, distance from earth, risk level etc. We have used these data extensively to create an App that will help our users to find, search ,edit , delete and save asteroid data . Have used CRUD methods to fetch , update and delete data from JSON response .This application has been built on JAVA Script, CSS and node.js framework. Have used </a:t>
-            </a:r>
-            <a:r>
-              <a:rPr lang="en-US" dirty="0" err="1" smtClean="0">
-                <a:latin typeface="Arial" panose="020B0604020202020204" pitchFamily="34" charset="0"/>
+              <a:t>to search for </a:t>
+            </a:r>
+            <a:r>
+              <a:rPr lang="en-US" sz="2400" dirty="0" smtClean="0">
+                <a:latin typeface="Californian FB" panose="0207040306080B030204" pitchFamily="18" charset="0"/>
+                <a:cs typeface="Arial" panose="020B0604020202020204" pitchFamily="34" charset="0"/>
+              </a:rPr>
+              <a:t>asteroids and plot them on map respectively. </a:t>
+            </a:r>
+            <a:r>
+              <a:rPr lang="en-US" sz="2400" dirty="0" smtClean="0">
+                <a:latin typeface="Californian FB" panose="0207040306080B030204" pitchFamily="18" charset="0"/>
+                <a:cs typeface="Arial" panose="020B0604020202020204" pitchFamily="34" charset="0"/>
+              </a:rPr>
+              <a:t>With </a:t>
+            </a:r>
+            <a:r>
+              <a:rPr lang="en-US" sz="2400" dirty="0" smtClean="0">
+                <a:latin typeface="Californian FB" panose="0207040306080B030204" pitchFamily="18" charset="0"/>
+                <a:cs typeface="Arial" panose="020B0604020202020204" pitchFamily="34" charset="0"/>
+              </a:rPr>
+              <a:t>NASA </a:t>
+            </a:r>
+            <a:r>
+              <a:rPr lang="en-US" sz="2400" dirty="0" smtClean="0">
+                <a:latin typeface="Californian FB" panose="0207040306080B030204" pitchFamily="18" charset="0"/>
+                <a:cs typeface="Arial" panose="020B0604020202020204" pitchFamily="34" charset="0"/>
+              </a:rPr>
+              <a:t>API we are able to get asteroid data such as  Speed, distance from earth, risk level etc. We have used these data extensively to create an App that will help our users to find, search ,edit , delete and save asteroid data . </a:t>
+            </a:r>
+            <a:r>
+              <a:rPr lang="en-US" sz="2400" dirty="0" smtClean="0">
+                <a:latin typeface="Californian FB" panose="0207040306080B030204" pitchFamily="18" charset="0"/>
+                <a:cs typeface="Arial" panose="020B0604020202020204" pitchFamily="34" charset="0"/>
+              </a:rPr>
+              <a:t>We have </a:t>
+            </a:r>
+            <a:r>
+              <a:rPr lang="en-US" sz="2400" dirty="0" smtClean="0">
+                <a:latin typeface="Californian FB" panose="0207040306080B030204" pitchFamily="18" charset="0"/>
+                <a:cs typeface="Arial" panose="020B0604020202020204" pitchFamily="34" charset="0"/>
+              </a:rPr>
+              <a:t>used CRUD methods to fetch , update and delete data from JSON response .This application has been built on JAVA Script, CSS and node.js framework. </a:t>
+            </a:r>
+            <a:r>
+              <a:rPr lang="en-US" sz="2400" dirty="0" smtClean="0">
+                <a:latin typeface="Californian FB" panose="0207040306080B030204" pitchFamily="18" charset="0"/>
+                <a:cs typeface="Arial" panose="020B0604020202020204" pitchFamily="34" charset="0"/>
+              </a:rPr>
+              <a:t>We have also incorporated </a:t>
+            </a:r>
+            <a:r>
+              <a:rPr lang="en-US" sz="2400" dirty="0" err="1" smtClean="0">
+                <a:latin typeface="Californian FB" panose="0207040306080B030204" pitchFamily="18" charset="0"/>
                 <a:cs typeface="Arial" panose="020B0604020202020204" pitchFamily="34" charset="0"/>
               </a:rPr>
               <a:t>postgresql</a:t>
             </a:r>
             <a:r>
-              <a:rPr lang="en-US" dirty="0" smtClean="0">
-                <a:latin typeface="Arial" panose="020B0604020202020204" pitchFamily="34" charset="0"/>
+              <a:rPr lang="en-US" sz="2400" dirty="0" smtClean="0">
+                <a:latin typeface="Californian FB" panose="0207040306080B030204" pitchFamily="18" charset="0"/>
                 <a:cs typeface="Arial" panose="020B0604020202020204" pitchFamily="34" charset="0"/>
               </a:rPr>
-              <a:t> as our backend service and deployed our app on </a:t>
-            </a:r>
-            <a:r>
-              <a:rPr lang="en-US" dirty="0" err="1" smtClean="0">
-                <a:latin typeface="Arial" panose="020B0604020202020204" pitchFamily="34" charset="0"/>
+              <a:t> </a:t>
+            </a:r>
+            <a:r>
+              <a:rPr lang="en-US" sz="2400" dirty="0" smtClean="0">
+                <a:latin typeface="Californian FB" panose="0207040306080B030204" pitchFamily="18" charset="0"/>
+                <a:cs typeface="Arial" panose="020B0604020202020204" pitchFamily="34" charset="0"/>
+              </a:rPr>
+              <a:t>as our backend service and deployed our app on </a:t>
+            </a:r>
+            <a:r>
+              <a:rPr lang="en-US" sz="2400" dirty="0" err="1" smtClean="0">
+                <a:latin typeface="Californian FB" panose="0207040306080B030204" pitchFamily="18" charset="0"/>
                 <a:cs typeface="Arial" panose="020B0604020202020204" pitchFamily="34" charset="0"/>
               </a:rPr>
               <a:t>Heroku</a:t>
             </a:r>
             <a:r>
-              <a:rPr lang="en-US" dirty="0" smtClean="0">
-                <a:latin typeface="Arial" panose="020B0604020202020204" pitchFamily="34" charset="0"/>
+              <a:rPr lang="en-US" sz="2400" dirty="0" smtClean="0">
+                <a:latin typeface="Californian FB" panose="0207040306080B030204" pitchFamily="18" charset="0"/>
                 <a:cs typeface="Arial" panose="020B0604020202020204" pitchFamily="34" charset="0"/>
               </a:rPr>
               <a:t>.</a:t>
             </a:r>
-          </a:p>
-          <a:p>
-            <a:pPr marL="0" indent="0">
-              <a:buNone/>
-            </a:pPr>
-            <a:endParaRPr lang="en-US" dirty="0" smtClean="0">
-              <a:latin typeface="Arial" panose="020B0604020202020204" pitchFamily="34" charset="0"/>
+            <a:endParaRPr lang="en-US" sz="2400" dirty="0" smtClean="0">
+              <a:latin typeface="Californian FB" panose="0207040306080B030204" pitchFamily="18" charset="0"/>
               <a:cs typeface="Arial" panose="020B0604020202020204" pitchFamily="34" charset="0"/>
             </a:endParaRPr>
-          </a:p>
-          <a:p>
-            <a:pPr marL="0" indent="0">
-              <a:buNone/>
-            </a:pPr>
-            <a:r>
-              <a:rPr lang="en-US" dirty="0" smtClean="0"/>
-              <a:t>Who we are?</a:t>
-            </a:r>
-          </a:p>
-          <a:p>
-            <a:pPr marL="0" indent="0">
-              <a:buNone/>
-            </a:pPr>
-            <a:r>
-              <a:rPr lang="en-US" dirty="0" smtClean="0"/>
-              <a:t>1.Noah</a:t>
-            </a:r>
-          </a:p>
-          <a:p>
-            <a:pPr marL="0" indent="0">
-              <a:buNone/>
-            </a:pPr>
-            <a:r>
-              <a:rPr lang="en-US" dirty="0" smtClean="0"/>
-              <a:t>2.Roman</a:t>
-            </a:r>
-          </a:p>
-          <a:p>
-            <a:pPr marL="0" indent="0">
-              <a:buNone/>
-            </a:pPr>
-            <a:r>
-              <a:rPr lang="en-US" dirty="0" smtClean="0"/>
-              <a:t>3.James</a:t>
-            </a:r>
-          </a:p>
-          <a:p>
-            <a:pPr marL="0" indent="0">
-              <a:buNone/>
-            </a:pPr>
-            <a:r>
-              <a:rPr lang="en-US" dirty="0" smtClean="0"/>
-              <a:t>4.Shubham</a:t>
-            </a:r>
           </a:p>
         </p:txBody>
       </p:sp>
@@ -7913,105 +8035,116 @@
             <p:ph type="title"/>
           </p:nvPr>
         </p:nvSpPr>
-        <p:spPr>
-          <a:xfrm>
-            <a:off x="2592925" y="624110"/>
-            <a:ext cx="8911687" cy="444836"/>
-          </a:xfrm>
-        </p:spPr>
-        <p:txBody>
-          <a:bodyPr>
-            <a:normAutofit fontScale="90000"/>
-          </a:bodyPr>
-          <a:lstStyle/>
-          <a:p>
-            <a:r>
-              <a:rPr lang="en-US" dirty="0"/>
-              <a:t>Page Contents</a:t>
-            </a:r>
-            <a:br>
-              <a:rPr lang="en-US" dirty="0"/>
-            </a:br>
-            <a:endParaRPr lang="en-US" dirty="0"/>
-          </a:p>
-        </p:txBody>
-      </p:sp>
-      <p:sp>
-        <p:nvSpPr>
-          <p:cNvPr id="3" name="Content Placeholder 2"/>
-          <p:cNvSpPr>
-            <a:spLocks noGrp="1"/>
-          </p:cNvSpPr>
-          <p:nvPr>
-            <p:ph idx="1"/>
-          </p:nvPr>
-        </p:nvSpPr>
-        <p:spPr>
-          <a:xfrm>
-            <a:off x="2589212" y="1390918"/>
-            <a:ext cx="8915400" cy="4520304"/>
-          </a:xfrm>
-        </p:spPr>
+        <p:spPr/>
         <p:txBody>
           <a:bodyPr/>
           <a:lstStyle/>
           <a:p>
+            <a:r>
+              <a:rPr lang="en-US" dirty="0" smtClean="0"/>
+              <a:t>Who we are?</a:t>
+            </a:r>
+            <a:endParaRPr lang="en-US" dirty="0"/>
+          </a:p>
+        </p:txBody>
+      </p:sp>
+      <p:sp>
+        <p:nvSpPr>
+          <p:cNvPr id="3" name="Content Placeholder 2"/>
+          <p:cNvSpPr>
+            <a:spLocks noGrp="1"/>
+          </p:cNvSpPr>
+          <p:nvPr>
+            <p:ph idx="1"/>
+          </p:nvPr>
+        </p:nvSpPr>
+        <p:spPr/>
+        <p:txBody>
+          <a:bodyPr/>
+          <a:lstStyle/>
+          <a:p>
             <a:pPr marL="0" indent="0">
               <a:buNone/>
             </a:pPr>
             <a:endParaRPr lang="en-US" dirty="0"/>
           </a:p>
           <a:p>
-            <a:pPr marL="0" indent="0">
-              <a:buNone/>
-            </a:pPr>
-            <a:r>
-              <a:rPr lang="en-US" dirty="0" smtClean="0"/>
-              <a:t>1.Home Page </a:t>
-            </a:r>
-          </a:p>
-          <a:p>
-            <a:pPr marL="0" indent="0">
-              <a:buNone/>
-            </a:pPr>
-            <a:r>
-              <a:rPr lang="en-US" dirty="0" smtClean="0"/>
-              <a:t>2.Search Asteroids by Date</a:t>
-            </a:r>
-          </a:p>
-          <a:p>
-            <a:pPr marL="0" indent="0">
-              <a:buNone/>
-            </a:pPr>
-            <a:r>
-              <a:rPr lang="en-US" dirty="0" smtClean="0"/>
-              <a:t>3. Search Results</a:t>
-            </a:r>
-          </a:p>
-          <a:p>
-            <a:pPr marL="0" indent="0">
-              <a:buNone/>
-            </a:pPr>
-            <a:r>
-              <a:rPr lang="en-US" dirty="0" smtClean="0"/>
-              <a:t>4.NASA pic of the day</a:t>
-            </a:r>
-          </a:p>
-          <a:p>
-            <a:pPr marL="0" indent="0">
-              <a:buNone/>
-            </a:pPr>
-            <a:r>
-              <a:rPr lang="en-US" dirty="0" smtClean="0"/>
-              <a:t>5.About Us</a:t>
-            </a:r>
+            <a:r>
+              <a:rPr lang="en-US" sz="3200" dirty="0">
+                <a:latin typeface="Californian FB" panose="0207040306080B030204" pitchFamily="18" charset="0"/>
+              </a:rPr>
+              <a:t> </a:t>
+            </a:r>
+            <a:r>
+              <a:rPr lang="en-US" sz="3200" dirty="0" smtClean="0">
+                <a:latin typeface="Californian FB" panose="0207040306080B030204" pitchFamily="18" charset="0"/>
+              </a:rPr>
+              <a:t>Noah</a:t>
+            </a:r>
+            <a:endParaRPr lang="en-US" sz="3200" dirty="0">
+              <a:latin typeface="Californian FB" panose="0207040306080B030204" pitchFamily="18" charset="0"/>
+            </a:endParaRPr>
+          </a:p>
+          <a:p>
+            <a:r>
+              <a:rPr lang="en-US" sz="3200" dirty="0">
+                <a:latin typeface="Californian FB" panose="0207040306080B030204" pitchFamily="18" charset="0"/>
+              </a:rPr>
+              <a:t> </a:t>
+            </a:r>
+            <a:r>
+              <a:rPr lang="en-US" sz="3200" dirty="0" smtClean="0">
+                <a:latin typeface="Californian FB" panose="0207040306080B030204" pitchFamily="18" charset="0"/>
+              </a:rPr>
+              <a:t>Roman</a:t>
+            </a:r>
+            <a:endParaRPr lang="en-US" sz="3200" dirty="0">
+              <a:latin typeface="Californian FB" panose="0207040306080B030204" pitchFamily="18" charset="0"/>
+            </a:endParaRPr>
+          </a:p>
+          <a:p>
+            <a:r>
+              <a:rPr lang="en-US" sz="3200" dirty="0">
+                <a:latin typeface="Californian FB" panose="0207040306080B030204" pitchFamily="18" charset="0"/>
+              </a:rPr>
+              <a:t> </a:t>
+            </a:r>
+            <a:r>
+              <a:rPr lang="en-US" sz="3200" dirty="0" smtClean="0">
+                <a:latin typeface="Californian FB" panose="0207040306080B030204" pitchFamily="18" charset="0"/>
+              </a:rPr>
+              <a:t>James</a:t>
+            </a:r>
+            <a:endParaRPr lang="en-US" sz="3200" dirty="0">
+              <a:latin typeface="Californian FB" panose="0207040306080B030204" pitchFamily="18" charset="0"/>
+            </a:endParaRPr>
+          </a:p>
+          <a:p>
+            <a:r>
+              <a:rPr lang="en-US" sz="3200" dirty="0">
+                <a:latin typeface="Californian FB" panose="0207040306080B030204" pitchFamily="18" charset="0"/>
+              </a:rPr>
+              <a:t> </a:t>
+            </a:r>
+            <a:r>
+              <a:rPr lang="en-US" sz="3200" dirty="0" smtClean="0">
+                <a:latin typeface="Californian FB" panose="0207040306080B030204" pitchFamily="18" charset="0"/>
+              </a:rPr>
+              <a:t>Shubham</a:t>
+            </a:r>
+            <a:endParaRPr lang="en-US" sz="3200" dirty="0">
+              <a:latin typeface="Californian FB" panose="0207040306080B030204" pitchFamily="18" charset="0"/>
+            </a:endParaRPr>
+          </a:p>
+          <a:p>
+            <a:endParaRPr lang="en-US" dirty="0"/>
           </a:p>
         </p:txBody>
       </p:sp>
     </p:spTree>
     <p:extLst>
       <p:ext uri="{BB962C8B-B14F-4D97-AF65-F5344CB8AC3E}">
-        <p14:creationId xmlns:p14="http://schemas.microsoft.com/office/powerpoint/2010/main" val="1073814173"/>
+        <p14:creationId xmlns:p14="http://schemas.microsoft.com/office/powerpoint/2010/main" val="1310498405"/>
       </p:ext>
     </p:extLst>
   </p:cSld>
@@ -8051,7 +8184,7 @@
         <p:spPr>
           <a:xfrm>
             <a:off x="2592925" y="624110"/>
-            <a:ext cx="8911687" cy="547867"/>
+            <a:ext cx="8911687" cy="444836"/>
           </a:xfrm>
         </p:spPr>
         <p:txBody>
@@ -8061,9 +8194,12 @@
           <a:lstStyle/>
           <a:p>
             <a:r>
-              <a:rPr lang="en-US" dirty="0" smtClean="0"/>
-              <a:t>Pages</a:t>
-            </a:r>
+              <a:rPr lang="en-US" dirty="0"/>
+              <a:t>Page Contents</a:t>
+            </a:r>
+            <a:br>
+              <a:rPr lang="en-US" dirty="0"/>
+            </a:br>
             <a:endParaRPr lang="en-US" dirty="0"/>
           </a:p>
         </p:txBody>
@@ -8080,50 +8216,118 @@
         </p:nvSpPr>
         <p:spPr>
           <a:xfrm>
-            <a:off x="2589212" y="1571223"/>
-            <a:ext cx="8915400" cy="4339999"/>
+            <a:off x="2589212" y="1390918"/>
+            <a:ext cx="8915400" cy="4520304"/>
           </a:xfrm>
         </p:spPr>
         <p:txBody>
           <a:bodyPr/>
           <a:lstStyle/>
           <a:p>
-            <a:r>
-              <a:rPr lang="en-US" dirty="0" smtClean="0"/>
-              <a:t>Home Page –</a:t>
-            </a:r>
-          </a:p>
-          <a:p>
-            <a:r>
-              <a:rPr lang="en-US" dirty="0" smtClean="0"/>
-              <a:t>This page delivers our users the latest data of asteroid that is closest to the earth</a:t>
-            </a:r>
-          </a:p>
-          <a:p>
-            <a:r>
-              <a:rPr lang="en-US" dirty="0" smtClean="0"/>
-              <a:t>Displays any saved asteroids from the database</a:t>
-            </a:r>
-          </a:p>
-          <a:p>
-            <a:r>
-              <a:rPr lang="en-US" dirty="0" smtClean="0"/>
-              <a:t>Also gives our users a table with current data of the closest encounters by date.</a:t>
-            </a:r>
-          </a:p>
-          <a:p>
-            <a:r>
-              <a:rPr lang="en-US" dirty="0" smtClean="0"/>
-              <a:t>Ability to navigate to different routes from Menu Option</a:t>
-            </a:r>
+            <a:pPr marL="0" indent="0">
+              <a:buNone/>
+            </a:pPr>
             <a:endParaRPr lang="en-US" dirty="0"/>
+          </a:p>
+          <a:p>
+            <a:pPr>
+              <a:buFont typeface="+mj-lt"/>
+              <a:buAutoNum type="arabicPeriod"/>
+            </a:pPr>
+            <a:r>
+              <a:rPr lang="en-US" sz="3600" dirty="0" smtClean="0">
+                <a:latin typeface="Californian FB" panose="0207040306080B030204" pitchFamily="18" charset="0"/>
+              </a:rPr>
+              <a:t>Home </a:t>
+            </a:r>
+            <a:r>
+              <a:rPr lang="en-US" sz="3600" dirty="0" smtClean="0">
+                <a:latin typeface="Californian FB" panose="0207040306080B030204" pitchFamily="18" charset="0"/>
+              </a:rPr>
+              <a:t>Page </a:t>
+            </a:r>
+          </a:p>
+          <a:p>
+            <a:pPr>
+              <a:buFont typeface="+mj-lt"/>
+              <a:buAutoNum type="arabicPeriod"/>
+            </a:pPr>
+            <a:r>
+              <a:rPr lang="en-US" sz="3600" dirty="0" smtClean="0">
+                <a:latin typeface="Californian FB" panose="0207040306080B030204" pitchFamily="18" charset="0"/>
+              </a:rPr>
+              <a:t>New Search</a:t>
+            </a:r>
+          </a:p>
+          <a:p>
+            <a:pPr>
+              <a:buFont typeface="+mj-lt"/>
+              <a:buAutoNum type="arabicPeriod"/>
+            </a:pPr>
+            <a:r>
+              <a:rPr lang="en-US" sz="3600" dirty="0" smtClean="0">
+                <a:latin typeface="Californian FB" panose="0207040306080B030204" pitchFamily="18" charset="0"/>
+              </a:rPr>
+              <a:t>Search </a:t>
+            </a:r>
+            <a:r>
+              <a:rPr lang="en-US" sz="3600" dirty="0" smtClean="0">
+                <a:latin typeface="Californian FB" panose="0207040306080B030204" pitchFamily="18" charset="0"/>
+              </a:rPr>
+              <a:t>Results</a:t>
+            </a:r>
+          </a:p>
+          <a:p>
+            <a:pPr>
+              <a:buFont typeface="+mj-lt"/>
+              <a:buAutoNum type="arabicPeriod"/>
+            </a:pPr>
+            <a:r>
+              <a:rPr lang="en-US" sz="3600" dirty="0" smtClean="0">
+                <a:latin typeface="Californian FB" panose="0207040306080B030204" pitchFamily="18" charset="0"/>
+              </a:rPr>
+              <a:t>NASA image </a:t>
+            </a:r>
+            <a:r>
+              <a:rPr lang="en-US" sz="3600" dirty="0" smtClean="0">
+                <a:latin typeface="Californian FB" panose="0207040306080B030204" pitchFamily="18" charset="0"/>
+              </a:rPr>
+              <a:t>of the day</a:t>
+            </a:r>
+          </a:p>
+          <a:p>
+            <a:pPr>
+              <a:buFont typeface="+mj-lt"/>
+              <a:buAutoNum type="arabicPeriod"/>
+            </a:pPr>
+            <a:r>
+              <a:rPr lang="en-US" sz="3600" dirty="0" smtClean="0">
+                <a:latin typeface="Californian FB" panose="0207040306080B030204" pitchFamily="18" charset="0"/>
+              </a:rPr>
+              <a:t>About Us</a:t>
+            </a:r>
+          </a:p>
+          <a:p>
+            <a:pPr>
+              <a:buFont typeface="+mj-lt"/>
+              <a:buAutoNum type="arabicPeriod"/>
+            </a:pPr>
+            <a:r>
+              <a:rPr lang="en-US" sz="3600" dirty="0" smtClean="0">
+                <a:latin typeface="Californian FB" panose="0207040306080B030204" pitchFamily="18" charset="0"/>
+              </a:rPr>
+              <a:t>Contact</a:t>
+            </a:r>
+            <a:endParaRPr lang="en-US" sz="3600" dirty="0" smtClean="0">
+              <a:latin typeface="Californian FB" panose="0207040306080B030204" pitchFamily="18" charset="0"/>
+            </a:endParaRPr>
           </a:p>
         </p:txBody>
       </p:sp>
     </p:spTree>
     <p:extLst>
       <p:ext uri="{BB962C8B-B14F-4D97-AF65-F5344CB8AC3E}">
-        <p14:creationId xmlns:p14="http://schemas.microsoft.com/office/powerpoint/2010/main" val="2563218474"/>
+        <p14:creationId xmlns:p14="http://schemas.microsoft.com/office/powerpoint/2010/main" val="1073814173"/>
       </p:ext>
     </p:extLst>
   </p:cSld>
@@ -8163,77 +8367,129 @@
         <p:spPr>
           <a:xfrm>
             <a:off x="2592925" y="624110"/>
-            <a:ext cx="8911687" cy="805445"/>
+            <a:ext cx="8911687" cy="547867"/>
           </a:xfrm>
         </p:spPr>
         <p:txBody>
+          <a:bodyPr>
+            <a:normAutofit fontScale="90000"/>
+          </a:bodyPr>
+          <a:lstStyle/>
+          <a:p>
+            <a:r>
+              <a:rPr lang="en-US" dirty="0" smtClean="0">
+                <a:latin typeface="Californian FB" panose="0207040306080B030204" pitchFamily="18" charset="0"/>
+              </a:rPr>
+              <a:t>Home</a:t>
+            </a:r>
+            <a:endParaRPr lang="en-US" dirty="0">
+              <a:latin typeface="Californian FB" panose="0207040306080B030204" pitchFamily="18" charset="0"/>
+            </a:endParaRPr>
+          </a:p>
+        </p:txBody>
+      </p:sp>
+      <p:sp>
+        <p:nvSpPr>
+          <p:cNvPr id="3" name="Content Placeholder 2"/>
+          <p:cNvSpPr>
+            <a:spLocks noGrp="1"/>
+          </p:cNvSpPr>
+          <p:nvPr>
+            <p:ph idx="1"/>
+          </p:nvPr>
+        </p:nvSpPr>
+        <p:spPr>
+          <a:xfrm>
+            <a:off x="2589212" y="1571223"/>
+            <a:ext cx="8915400" cy="4339999"/>
+          </a:xfrm>
+        </p:spPr>
+        <p:txBody>
           <a:bodyPr/>
           <a:lstStyle/>
           <a:p>
-            <a:r>
-              <a:rPr lang="en-US" dirty="0" smtClean="0"/>
-              <a:t>Pages</a:t>
-            </a:r>
-            <a:endParaRPr lang="en-US" dirty="0"/>
-          </a:p>
-        </p:txBody>
-      </p:sp>
-      <p:sp>
-        <p:nvSpPr>
-          <p:cNvPr id="3" name="Content Placeholder 2"/>
-          <p:cNvSpPr>
-            <a:spLocks noGrp="1"/>
-          </p:cNvSpPr>
-          <p:nvPr>
-            <p:ph idx="1"/>
-          </p:nvPr>
-        </p:nvSpPr>
-        <p:spPr/>
-        <p:txBody>
-          <a:bodyPr/>
-          <a:lstStyle/>
-          <a:p>
             <a:pPr marL="0" indent="0">
               <a:buNone/>
             </a:pPr>
-            <a:r>
-              <a:rPr lang="en-US" dirty="0" smtClean="0"/>
-              <a:t>Asteroid Search Page</a:t>
-            </a:r>
-          </a:p>
-          <a:p>
-            <a:pPr marL="0" indent="0">
-              <a:buNone/>
-            </a:pPr>
-            <a:endParaRPr lang="en-US" dirty="0"/>
-          </a:p>
-          <a:p>
-            <a:r>
-              <a:rPr lang="en-US" dirty="0" smtClean="0"/>
-              <a:t>User can search Asteroids based on Start Date and End Date</a:t>
-            </a:r>
-          </a:p>
-          <a:p>
-            <a:r>
-              <a:rPr lang="en-US" dirty="0" smtClean="0"/>
-              <a:t>On hitting Search user is redirected to Results page</a:t>
-            </a:r>
-          </a:p>
-          <a:p>
-            <a:endParaRPr lang="en-US" dirty="0"/>
+            <a:endParaRPr lang="en-US" dirty="0" smtClean="0"/>
+          </a:p>
+          <a:p>
+            <a:r>
+              <a:rPr lang="en-US" sz="2400" dirty="0" smtClean="0">
+                <a:latin typeface="Californian FB" panose="0207040306080B030204" pitchFamily="18" charset="0"/>
+              </a:rPr>
+              <a:t>This page delivers our users the latest data of asteroid that is closest to the earth</a:t>
+            </a:r>
+          </a:p>
+          <a:p>
+            <a:r>
+              <a:rPr lang="en-US" sz="2400" dirty="0" smtClean="0">
+                <a:latin typeface="Californian FB" panose="0207040306080B030204" pitchFamily="18" charset="0"/>
+              </a:rPr>
+              <a:t>Displays any saved asteroids from the database</a:t>
+            </a:r>
+          </a:p>
+          <a:p>
+            <a:r>
+              <a:rPr lang="en-US" sz="2400" dirty="0" smtClean="0">
+                <a:latin typeface="Californian FB" panose="0207040306080B030204" pitchFamily="18" charset="0"/>
+              </a:rPr>
+              <a:t>Also gives our users a table with current data of the closest encounters by date</a:t>
+            </a:r>
+            <a:r>
+              <a:rPr lang="en-US" sz="2400" dirty="0" smtClean="0">
+                <a:latin typeface="Californian FB" panose="0207040306080B030204" pitchFamily="18" charset="0"/>
+              </a:rPr>
+              <a:t>.</a:t>
+            </a:r>
+          </a:p>
+          <a:p>
+            <a:r>
+              <a:rPr lang="en-US" sz="2400" dirty="0" smtClean="0">
+                <a:latin typeface="Californian FB" panose="0207040306080B030204" pitchFamily="18" charset="0"/>
+              </a:rPr>
+              <a:t>Meteors data</a:t>
+            </a:r>
+            <a:endParaRPr lang="en-US" sz="2400" dirty="0" smtClean="0">
+              <a:latin typeface="Californian FB" panose="0207040306080B030204" pitchFamily="18" charset="0"/>
+            </a:endParaRPr>
+          </a:p>
+          <a:p>
+            <a:r>
+              <a:rPr lang="en-US" sz="2400" dirty="0" smtClean="0">
+                <a:latin typeface="Californian FB" panose="0207040306080B030204" pitchFamily="18" charset="0"/>
+              </a:rPr>
+              <a:t>Ability to navigate to different routes from </a:t>
+            </a:r>
+            <a:r>
+              <a:rPr lang="en-US" sz="2400" dirty="0" smtClean="0">
+                <a:latin typeface="Californian FB" panose="0207040306080B030204" pitchFamily="18" charset="0"/>
+              </a:rPr>
+              <a:t>Navigation bar</a:t>
+            </a:r>
+            <a:endParaRPr lang="en-US" sz="2400" dirty="0">
+              <a:latin typeface="Californian FB" panose="0207040306080B030204" pitchFamily="18" charset="0"/>
+            </a:endParaRPr>
           </a:p>
         </p:txBody>
       </p:sp>
     </p:spTree>
     <p:extLst>
       <p:ext uri="{BB962C8B-B14F-4D97-AF65-F5344CB8AC3E}">
-        <p14:creationId xmlns:p14="http://schemas.microsoft.com/office/powerpoint/2010/main" val="2031747314"/>
+        <p14:creationId xmlns:p14="http://schemas.microsoft.com/office/powerpoint/2010/main" val="2563218474"/>
       </p:ext>
     </p:extLst>
   </p:cSld>
   <p:clrMapOvr>
     <a:masterClrMapping/>
   </p:clrMapOvr>
+  <p:timing>
+    <p:tnLst>
+      <p:par>
+        <p:cTn id="1" dur="indefinite" restart="never" nodeType="tmRoot"/>
+      </p:par>
+    </p:tnLst>
+  </p:timing>
 </p:sld>
 </file>
 
@@ -8264,16 +8520,25 @@
             <p:ph type="title"/>
           </p:nvPr>
         </p:nvSpPr>
-        <p:spPr/>
+        <p:spPr>
+          <a:xfrm>
+            <a:off x="2592925" y="624110"/>
+            <a:ext cx="8911687" cy="805445"/>
+          </a:xfrm>
+        </p:spPr>
         <p:txBody>
           <a:bodyPr/>
           <a:lstStyle/>
           <a:p>
             <a:r>
-              <a:rPr lang="en-US" dirty="0" smtClean="0"/>
-              <a:t>Pages</a:t>
-            </a:r>
-            <a:endParaRPr lang="en-US" dirty="0"/>
+              <a:rPr lang="en-US" dirty="0" smtClean="0">
+                <a:latin typeface="Californian FB" panose="0207040306080B030204" pitchFamily="18" charset="0"/>
+              </a:rPr>
+              <a:t>New search</a:t>
+            </a:r>
+            <a:endParaRPr lang="en-US" dirty="0">
+              <a:latin typeface="Californian FB" panose="0207040306080B030204" pitchFamily="18" charset="0"/>
+            </a:endParaRPr>
           </a:p>
         </p:txBody>
       </p:sp>
@@ -8292,73 +8557,104 @@
           <a:bodyPr/>
           <a:lstStyle/>
           <a:p>
-            <a:pPr>
-              <a:buFont typeface="+mj-lt"/>
-              <a:buAutoNum type="arabicPeriod"/>
-            </a:pPr>
-            <a:r>
-              <a:rPr lang="en-US" dirty="0" smtClean="0"/>
-              <a:t>Search Results Page</a:t>
-            </a:r>
-          </a:p>
-          <a:p>
-            <a:r>
-              <a:rPr lang="en-US" dirty="0" smtClean="0"/>
-              <a:t>User search results are displayed on this page</a:t>
-            </a:r>
-          </a:p>
-          <a:p>
-            <a:r>
-              <a:rPr lang="en-US" dirty="0" smtClean="0"/>
-              <a:t>Users also have the ability to save, update and delete </a:t>
-            </a:r>
-          </a:p>
-          <a:p>
-            <a:pPr>
-              <a:buFont typeface="+mj-lt"/>
-              <a:buAutoNum type="arabicPeriod"/>
+            <a:pPr marL="0" indent="0">
+              <a:buNone/>
             </a:pPr>
             <a:endParaRPr lang="en-US" dirty="0" smtClean="0"/>
           </a:p>
           <a:p>
-            <a:pPr>
-              <a:buAutoNum type="arabicPeriod" startAt="2"/>
-            </a:pPr>
-            <a:r>
-              <a:rPr lang="en-US" dirty="0" smtClean="0"/>
-              <a:t>NASA Pic of the Day</a:t>
-            </a:r>
-          </a:p>
-          <a:p>
-            <a:pPr>
-              <a:buAutoNum type="arabicPeriod" startAt="2"/>
+            <a:pPr marL="0" indent="0">
+              <a:buNone/>
             </a:pPr>
             <a:endParaRPr lang="en-US" dirty="0"/>
           </a:p>
           <a:p>
-            <a:pPr>
-              <a:buAutoNum type="arabicPeriod" startAt="2"/>
+            <a:r>
+              <a:rPr lang="en-US" sz="2000" dirty="0" smtClean="0">
+                <a:latin typeface="Californian FB" panose="0207040306080B030204" pitchFamily="18" charset="0"/>
+              </a:rPr>
+              <a:t>User can search </a:t>
+            </a:r>
+            <a:r>
+              <a:rPr lang="en-US" sz="2000" dirty="0" smtClean="0">
+                <a:latin typeface="Californian FB" panose="0207040306080B030204" pitchFamily="18" charset="0"/>
+              </a:rPr>
+              <a:t>upcoming Asteroids </a:t>
+            </a:r>
+            <a:r>
+              <a:rPr lang="en-US" sz="2000" dirty="0" smtClean="0">
+                <a:latin typeface="Californian FB" panose="0207040306080B030204" pitchFamily="18" charset="0"/>
+              </a:rPr>
+              <a:t>based on Start Date and End </a:t>
+            </a:r>
+            <a:r>
+              <a:rPr lang="en-US" sz="2000" dirty="0" smtClean="0">
+                <a:latin typeface="Californian FB" panose="0207040306080B030204" pitchFamily="18" charset="0"/>
+              </a:rPr>
+              <a:t>Date</a:t>
+            </a:r>
+          </a:p>
+          <a:p>
+            <a:pPr marL="0" indent="0">
+              <a:buNone/>
             </a:pPr>
             <a:r>
-              <a:rPr lang="en-US" dirty="0" smtClean="0"/>
-              <a:t>About Us</a:t>
-            </a:r>
-          </a:p>
-          <a:p>
-            <a:endParaRPr lang="en-US" dirty="0"/>
+              <a:rPr lang="en-US" sz="2000" dirty="0">
+                <a:latin typeface="Californian FB" panose="0207040306080B030204" pitchFamily="18" charset="0"/>
+              </a:rPr>
+              <a:t> </a:t>
+            </a:r>
+            <a:r>
+              <a:rPr lang="en-US" sz="2000" dirty="0" smtClean="0">
+                <a:latin typeface="Californian FB" panose="0207040306080B030204" pitchFamily="18" charset="0"/>
+              </a:rPr>
+              <a:t>         - On valid search users are redirected to results page</a:t>
+            </a:r>
+            <a:endParaRPr lang="en-US" sz="2000" dirty="0" smtClean="0">
+              <a:latin typeface="Californian FB" panose="0207040306080B030204" pitchFamily="18" charset="0"/>
+            </a:endParaRPr>
+          </a:p>
+          <a:p>
+            <a:r>
+              <a:rPr lang="en-US" sz="2000" dirty="0" smtClean="0">
+                <a:latin typeface="Californian FB" panose="0207040306080B030204" pitchFamily="18" charset="0"/>
+              </a:rPr>
+              <a:t>Users also have the ability  to search for landed asteroids based on location and distance</a:t>
+            </a:r>
+          </a:p>
+          <a:p>
+            <a:pPr marL="0" indent="0">
+              <a:buNone/>
+            </a:pPr>
+            <a:r>
+              <a:rPr lang="en-US" sz="2000" dirty="0" smtClean="0">
+                <a:latin typeface="Californian FB" panose="0207040306080B030204" pitchFamily="18" charset="0"/>
+              </a:rPr>
+              <a:t>          - The location is plotted on Google Maps</a:t>
+            </a:r>
+            <a:endParaRPr lang="en-US" sz="2000" dirty="0">
+              <a:latin typeface="Californian FB" panose="0207040306080B030204" pitchFamily="18" charset="0"/>
+            </a:endParaRPr>
           </a:p>
         </p:txBody>
       </p:sp>
     </p:spTree>
     <p:extLst>
       <p:ext uri="{BB962C8B-B14F-4D97-AF65-F5344CB8AC3E}">
-        <p14:creationId xmlns:p14="http://schemas.microsoft.com/office/powerpoint/2010/main" val="3026166304"/>
+        <p14:creationId xmlns:p14="http://schemas.microsoft.com/office/powerpoint/2010/main" val="2031747314"/>
       </p:ext>
     </p:extLst>
   </p:cSld>
   <p:clrMapOvr>
     <a:masterClrMapping/>
   </p:clrMapOvr>
+  <p:timing>
+    <p:tnLst>
+      <p:par>
+        <p:cTn id="1" dur="indefinite" restart="never" nodeType="tmRoot"/>
+      </p:par>
+    </p:tnLst>
+  </p:timing>
 </p:sld>
 </file>
 
@@ -8395,13 +8691,14 @@
           <a:lstStyle/>
           <a:p>
             <a:r>
-              <a:rPr lang="en-US" dirty="0"/>
-              <a:t>Technology</a:t>
-            </a:r>
-            <a:br>
-              <a:rPr lang="en-US" dirty="0"/>
-            </a:br>
-            <a:endParaRPr lang="en-US" dirty="0"/>
+              <a:rPr lang="en-US" dirty="0" smtClean="0">
+                <a:latin typeface="Californian FB" panose="0207040306080B030204" pitchFamily="18" charset="0"/>
+              </a:rPr>
+              <a:t>Search Results Page</a:t>
+            </a:r>
+            <a:endParaRPr lang="en-US" dirty="0">
+              <a:latin typeface="Californian FB" panose="0207040306080B030204" pitchFamily="18" charset="0"/>
+            </a:endParaRPr>
           </a:p>
         </p:txBody>
       </p:sp>
@@ -8420,88 +8717,62 @@
           <a:bodyPr/>
           <a:lstStyle/>
           <a:p>
+            <a:pPr marL="0" indent="0">
+              <a:buNone/>
+            </a:pPr>
+            <a:r>
+              <a:rPr lang="en-US" sz="2400" dirty="0" smtClean="0">
+                <a:latin typeface="Californian FB" panose="0207040306080B030204" pitchFamily="18" charset="0"/>
+              </a:rPr>
+              <a:t>     Search </a:t>
+            </a:r>
+            <a:r>
+              <a:rPr lang="en-US" sz="2400" dirty="0" smtClean="0">
+                <a:latin typeface="Californian FB" panose="0207040306080B030204" pitchFamily="18" charset="0"/>
+              </a:rPr>
+              <a:t>Results Page</a:t>
+            </a:r>
+          </a:p>
+          <a:p>
+            <a:r>
+              <a:rPr lang="en-US" sz="2400" dirty="0" smtClean="0">
+                <a:latin typeface="Californian FB" panose="0207040306080B030204" pitchFamily="18" charset="0"/>
+              </a:rPr>
+              <a:t>User search results are displayed on this page</a:t>
+            </a:r>
+          </a:p>
+          <a:p>
+            <a:r>
+              <a:rPr lang="en-US" sz="2400" dirty="0" smtClean="0">
+                <a:latin typeface="Californian FB" panose="0207040306080B030204" pitchFamily="18" charset="0"/>
+              </a:rPr>
+              <a:t>Users can Select any asteroid and add it to the database</a:t>
+            </a:r>
+          </a:p>
+          <a:p>
+            <a:r>
+              <a:rPr lang="en-US" sz="2400" dirty="0" smtClean="0">
+                <a:latin typeface="Californian FB" panose="0207040306080B030204" pitchFamily="18" charset="0"/>
+              </a:rPr>
+              <a:t>Viewing orbit diagram is also available for each search results</a:t>
+            </a:r>
+            <a:endParaRPr lang="en-US" sz="2400" dirty="0" smtClean="0">
+              <a:latin typeface="Californian FB" panose="0207040306080B030204" pitchFamily="18" charset="0"/>
+            </a:endParaRPr>
+          </a:p>
+          <a:p>
+            <a:pPr>
+              <a:buFont typeface="+mj-lt"/>
+              <a:buAutoNum type="arabicPeriod"/>
+            </a:pPr>
             <a:endParaRPr lang="en-US" dirty="0" smtClean="0"/>
-          </a:p>
-          <a:p>
-            <a:pPr>
-              <a:buFont typeface="Arial" panose="020B0604020202020204" pitchFamily="34" charset="0"/>
-              <a:buChar char="•"/>
-            </a:pPr>
-            <a:r>
-              <a:rPr lang="en-US" dirty="0" smtClean="0"/>
-              <a:t>JAVA Script</a:t>
-            </a:r>
-          </a:p>
-          <a:p>
-            <a:pPr>
-              <a:buFont typeface="Arial" panose="020B0604020202020204" pitchFamily="34" charset="0"/>
-              <a:buChar char="•"/>
-            </a:pPr>
-            <a:r>
-              <a:rPr lang="en-US" dirty="0" err="1" smtClean="0"/>
-              <a:t>ejs</a:t>
-            </a:r>
-            <a:endParaRPr lang="en-US" dirty="0" smtClean="0"/>
-          </a:p>
-          <a:p>
-            <a:pPr>
-              <a:buFont typeface="Arial" panose="020B0604020202020204" pitchFamily="34" charset="0"/>
-              <a:buChar char="•"/>
-            </a:pPr>
-            <a:r>
-              <a:rPr lang="en-US" dirty="0" err="1" smtClean="0"/>
-              <a:t>Postgresql</a:t>
-            </a:r>
-            <a:endParaRPr lang="en-US" dirty="0" smtClean="0"/>
-          </a:p>
-          <a:p>
-            <a:pPr>
-              <a:buFont typeface="Arial" panose="020B0604020202020204" pitchFamily="34" charset="0"/>
-              <a:buChar char="•"/>
-            </a:pPr>
-            <a:r>
-              <a:rPr lang="en-US" dirty="0" smtClean="0"/>
-              <a:t>Express</a:t>
-            </a:r>
-          </a:p>
-          <a:p>
-            <a:pPr>
-              <a:buFont typeface="Arial" panose="020B0604020202020204" pitchFamily="34" charset="0"/>
-              <a:buChar char="•"/>
-            </a:pPr>
-            <a:r>
-              <a:rPr lang="en-US" dirty="0" err="1" smtClean="0"/>
-              <a:t>Cors</a:t>
-            </a:r>
-            <a:endParaRPr lang="en-US" dirty="0" smtClean="0"/>
-          </a:p>
-          <a:p>
-            <a:pPr>
-              <a:buFont typeface="Arial" panose="020B0604020202020204" pitchFamily="34" charset="0"/>
-              <a:buChar char="•"/>
-            </a:pPr>
-            <a:r>
-              <a:rPr lang="en-US" dirty="0" smtClean="0"/>
-              <a:t>CSS</a:t>
-            </a:r>
-          </a:p>
-          <a:p>
-            <a:pPr>
-              <a:buFont typeface="Arial" panose="020B0604020202020204" pitchFamily="34" charset="0"/>
-              <a:buChar char="•"/>
-            </a:pPr>
-            <a:r>
-              <a:rPr lang="en-US" dirty="0" err="1" smtClean="0"/>
-              <a:t>Jquery</a:t>
-            </a:r>
-            <a:endParaRPr lang="en-US" dirty="0"/>
           </a:p>
         </p:txBody>
       </p:sp>
     </p:spTree>
     <p:extLst>
       <p:ext uri="{BB962C8B-B14F-4D97-AF65-F5344CB8AC3E}">
-        <p14:creationId xmlns:p14="http://schemas.microsoft.com/office/powerpoint/2010/main" val="2187213388"/>
+        <p14:creationId xmlns:p14="http://schemas.microsoft.com/office/powerpoint/2010/main" val="3026166304"/>
       </p:ext>
     </p:extLst>
   </p:cSld>
@@ -8552,7 +8823,7 @@
           <a:p>
             <a:r>
               <a:rPr lang="en-US" dirty="0" smtClean="0"/>
-              <a:t>Feedback</a:t>
+              <a:t>NASA Image of the Day</a:t>
             </a:r>
             <a:endParaRPr lang="en-US" dirty="0"/>
           </a:p>
@@ -8573,40 +8844,249 @@
           <a:bodyPr/>
           <a:lstStyle/>
           <a:p>
-            <a:endParaRPr lang="en-US" dirty="0"/>
+            <a:endParaRPr lang="en-US" dirty="0" smtClean="0"/>
           </a:p>
           <a:p>
             <a:pPr marL="0" indent="0">
               <a:buNone/>
             </a:pPr>
-            <a:r>
-              <a:rPr lang="en-US" dirty="0" smtClean="0"/>
-              <a:t>      </a:t>
-            </a:r>
+            <a:endParaRPr lang="en-US" sz="2800" dirty="0" smtClean="0">
+              <a:latin typeface="Californian FB" panose="0207040306080B030204" pitchFamily="18" charset="0"/>
+            </a:endParaRPr>
           </a:p>
           <a:p>
             <a:pPr marL="0" indent="0">
               <a:buNone/>
             </a:pPr>
             <a:r>
-              <a:rPr lang="en-US" dirty="0"/>
-              <a:t> </a:t>
-            </a:r>
-            <a:r>
-              <a:rPr lang="en-US" dirty="0" smtClean="0"/>
-              <a:t>                                                      </a:t>
-            </a:r>
-            <a:r>
-              <a:rPr lang="en-US" sz="4000" dirty="0" smtClean="0"/>
-              <a:t>Q/A</a:t>
-            </a:r>
+              <a:rPr lang="en-US" sz="2400" dirty="0" smtClean="0">
+                <a:latin typeface="Californian FB" panose="0207040306080B030204" pitchFamily="18" charset="0"/>
+              </a:rPr>
+              <a:t>With the help of NASA API we are delivering pic of the day to our users as soon as users click on NASA Image of the Day link on </a:t>
+            </a:r>
+            <a:r>
+              <a:rPr lang="en-US" sz="2400" smtClean="0">
+                <a:latin typeface="Californian FB" panose="0207040306080B030204" pitchFamily="18" charset="0"/>
+              </a:rPr>
+              <a:t>navigation bar.</a:t>
+            </a:r>
+            <a:endParaRPr lang="en-US" sz="2400" dirty="0">
+              <a:latin typeface="Californian FB" panose="0207040306080B030204" pitchFamily="18" charset="0"/>
+            </a:endParaRPr>
           </a:p>
         </p:txBody>
       </p:sp>
     </p:spTree>
     <p:extLst>
       <p:ext uri="{BB962C8B-B14F-4D97-AF65-F5344CB8AC3E}">
-        <p14:creationId xmlns:p14="http://schemas.microsoft.com/office/powerpoint/2010/main" val="1269787419"/>
+        <p14:creationId xmlns:p14="http://schemas.microsoft.com/office/powerpoint/2010/main" val="393778040"/>
+      </p:ext>
+    </p:extLst>
+  </p:cSld>
+  <p:clrMapOvr>
+    <a:masterClrMapping/>
+  </p:clrMapOvr>
+</p:sld>
+</file>
+
+<file path=ppt/slides/slide9.xml><?xml version="1.0" encoding="utf-8"?>
+<p:sld xmlns:a="http://schemas.openxmlformats.org/drawingml/2006/main" xmlns:r="http://schemas.openxmlformats.org/officeDocument/2006/relationships" xmlns:p="http://schemas.openxmlformats.org/presentationml/2006/main">
+  <p:cSld>
+    <p:spTree>
+      <p:nvGrpSpPr>
+        <p:cNvPr id="1" name=""/>
+        <p:cNvGrpSpPr/>
+        <p:nvPr/>
+      </p:nvGrpSpPr>
+      <p:grpSpPr>
+        <a:xfrm>
+          <a:off x="0" y="0"/>
+          <a:ext cx="0" cy="0"/>
+          <a:chOff x="0" y="0"/>
+          <a:chExt cx="0" cy="0"/>
+        </a:xfrm>
+      </p:grpSpPr>
+      <p:sp>
+        <p:nvSpPr>
+          <p:cNvPr id="2" name="Title 1"/>
+          <p:cNvSpPr>
+            <a:spLocks noGrp="1"/>
+          </p:cNvSpPr>
+          <p:nvPr>
+            <p:ph type="title"/>
+          </p:nvPr>
+        </p:nvSpPr>
+        <p:spPr>
+          <a:xfrm>
+            <a:off x="2592925" y="624110"/>
+            <a:ext cx="8911687" cy="1024386"/>
+          </a:xfrm>
+        </p:spPr>
+        <p:txBody>
+          <a:bodyPr>
+            <a:normAutofit fontScale="90000"/>
+          </a:bodyPr>
+          <a:lstStyle/>
+          <a:p>
+            <a:r>
+              <a:rPr lang="en-US" dirty="0">
+                <a:latin typeface="Californian FB" panose="0207040306080B030204" pitchFamily="18" charset="0"/>
+              </a:rPr>
+              <a:t>Technology</a:t>
+            </a:r>
+            <a:br>
+              <a:rPr lang="en-US" dirty="0">
+                <a:latin typeface="Californian FB" panose="0207040306080B030204" pitchFamily="18" charset="0"/>
+              </a:rPr>
+            </a:br>
+            <a:endParaRPr lang="en-US" dirty="0">
+              <a:latin typeface="Californian FB" panose="0207040306080B030204" pitchFamily="18" charset="0"/>
+            </a:endParaRPr>
+          </a:p>
+        </p:txBody>
+      </p:sp>
+      <p:sp>
+        <p:nvSpPr>
+          <p:cNvPr id="3" name="Content Placeholder 2"/>
+          <p:cNvSpPr>
+            <a:spLocks noGrp="1"/>
+          </p:cNvSpPr>
+          <p:nvPr>
+            <p:ph idx="1"/>
+          </p:nvPr>
+        </p:nvSpPr>
+        <p:spPr/>
+        <p:txBody>
+          <a:bodyPr>
+            <a:normAutofit lnSpcReduction="10000"/>
+          </a:bodyPr>
+          <a:lstStyle/>
+          <a:p>
+            <a:endParaRPr lang="en-US" dirty="0" smtClean="0"/>
+          </a:p>
+          <a:p>
+            <a:pPr>
+              <a:buFont typeface="Arial" panose="020B0604020202020204" pitchFamily="34" charset="0"/>
+              <a:buChar char="•"/>
+            </a:pPr>
+            <a:r>
+              <a:rPr lang="en-US" sz="2000" dirty="0" smtClean="0">
+                <a:latin typeface="Californian FB" panose="0207040306080B030204" pitchFamily="18" charset="0"/>
+              </a:rPr>
+              <a:t>JAVA </a:t>
+            </a:r>
+            <a:r>
+              <a:rPr lang="en-US" sz="2000" dirty="0" smtClean="0">
+                <a:latin typeface="Californian FB" panose="0207040306080B030204" pitchFamily="18" charset="0"/>
+              </a:rPr>
+              <a:t>Script</a:t>
+            </a:r>
+          </a:p>
+          <a:p>
+            <a:pPr>
+              <a:buFont typeface="Arial" panose="020B0604020202020204" pitchFamily="34" charset="0"/>
+              <a:buChar char="•"/>
+            </a:pPr>
+            <a:r>
+              <a:rPr lang="en-US" sz="2000" dirty="0" smtClean="0">
+                <a:latin typeface="Californian FB" panose="0207040306080B030204" pitchFamily="18" charset="0"/>
+              </a:rPr>
+              <a:t>Node.js</a:t>
+            </a:r>
+            <a:endParaRPr lang="en-US" sz="2000" dirty="0" smtClean="0">
+              <a:latin typeface="Californian FB" panose="0207040306080B030204" pitchFamily="18" charset="0"/>
+            </a:endParaRPr>
+          </a:p>
+          <a:p>
+            <a:pPr>
+              <a:buFont typeface="Arial" panose="020B0604020202020204" pitchFamily="34" charset="0"/>
+              <a:buChar char="•"/>
+            </a:pPr>
+            <a:r>
+              <a:rPr lang="en-US" sz="2000" dirty="0" err="1" smtClean="0">
+                <a:latin typeface="Californian FB" panose="0207040306080B030204" pitchFamily="18" charset="0"/>
+              </a:rPr>
+              <a:t>ejs</a:t>
+            </a:r>
+            <a:endParaRPr lang="en-US" sz="2000" dirty="0" smtClean="0">
+              <a:latin typeface="Californian FB" panose="0207040306080B030204" pitchFamily="18" charset="0"/>
+            </a:endParaRPr>
+          </a:p>
+          <a:p>
+            <a:pPr>
+              <a:buFont typeface="Arial" panose="020B0604020202020204" pitchFamily="34" charset="0"/>
+              <a:buChar char="•"/>
+            </a:pPr>
+            <a:r>
+              <a:rPr lang="en-US" sz="2000" dirty="0" err="1" smtClean="0">
+                <a:latin typeface="Californian FB" panose="0207040306080B030204" pitchFamily="18" charset="0"/>
+              </a:rPr>
+              <a:t>Postgresql</a:t>
+            </a:r>
+            <a:endParaRPr lang="en-US" sz="2000" dirty="0" smtClean="0">
+              <a:latin typeface="Californian FB" panose="0207040306080B030204" pitchFamily="18" charset="0"/>
+            </a:endParaRPr>
+          </a:p>
+          <a:p>
+            <a:pPr>
+              <a:buFont typeface="Arial" panose="020B0604020202020204" pitchFamily="34" charset="0"/>
+              <a:buChar char="•"/>
+            </a:pPr>
+            <a:r>
+              <a:rPr lang="en-US" sz="2000" dirty="0" smtClean="0">
+                <a:latin typeface="Californian FB" panose="0207040306080B030204" pitchFamily="18" charset="0"/>
+              </a:rPr>
+              <a:t>Express</a:t>
+            </a:r>
+          </a:p>
+          <a:p>
+            <a:pPr>
+              <a:buFont typeface="Arial" panose="020B0604020202020204" pitchFamily="34" charset="0"/>
+              <a:buChar char="•"/>
+            </a:pPr>
+            <a:r>
+              <a:rPr lang="en-US" sz="2000" dirty="0" err="1" smtClean="0">
+                <a:latin typeface="Californian FB" panose="0207040306080B030204" pitchFamily="18" charset="0"/>
+              </a:rPr>
+              <a:t>Cors</a:t>
+            </a:r>
+            <a:endParaRPr lang="en-US" sz="2000" dirty="0" smtClean="0">
+              <a:latin typeface="Californian FB" panose="0207040306080B030204" pitchFamily="18" charset="0"/>
+            </a:endParaRPr>
+          </a:p>
+          <a:p>
+            <a:pPr>
+              <a:buFont typeface="Arial" panose="020B0604020202020204" pitchFamily="34" charset="0"/>
+              <a:buChar char="•"/>
+            </a:pPr>
+            <a:r>
+              <a:rPr lang="en-US" sz="2000" dirty="0" smtClean="0">
+                <a:latin typeface="Californian FB" panose="0207040306080B030204" pitchFamily="18" charset="0"/>
+              </a:rPr>
+              <a:t>CSS</a:t>
+            </a:r>
+          </a:p>
+          <a:p>
+            <a:pPr>
+              <a:buFont typeface="Arial" panose="020B0604020202020204" pitchFamily="34" charset="0"/>
+              <a:buChar char="•"/>
+            </a:pPr>
+            <a:r>
+              <a:rPr lang="en-US" sz="2000" dirty="0" err="1" smtClean="0">
+                <a:latin typeface="Californian FB" panose="0207040306080B030204" pitchFamily="18" charset="0"/>
+              </a:rPr>
+              <a:t>Jquery</a:t>
+            </a:r>
+            <a:endParaRPr lang="en-US" sz="2000" dirty="0">
+              <a:latin typeface="Californian FB" panose="0207040306080B030204" pitchFamily="18" charset="0"/>
+            </a:endParaRPr>
+          </a:p>
+        </p:txBody>
+      </p:sp>
+    </p:spTree>
+    <p:extLst>
+      <p:ext uri="{BB962C8B-B14F-4D97-AF65-F5344CB8AC3E}">
+        <p14:creationId xmlns:p14="http://schemas.microsoft.com/office/powerpoint/2010/main" val="2187213388"/>
       </p:ext>
     </p:extLst>
   </p:cSld>

--- a/Data Asteroid.pptx
+++ b/Data Asteroid.pptx
@@ -1,13 +1,13 @@
 
 <file path=ppt/presentation.xml><?xml version="1.0" encoding="utf-8"?>
-<p:presentation xmlns:a="http://schemas.openxmlformats.org/drawingml/2006/main" xmlns:r="http://schemas.openxmlformats.org/officeDocument/2006/relationships" xmlns:p="http://schemas.openxmlformats.org/presentationml/2006/main" autoCompressPictures="0">
+<p:presentation xmlns:a="http://schemas.openxmlformats.org/drawingml/2006/main" xmlns:r="http://schemas.openxmlformats.org/officeDocument/2006/relationships" xmlns:mc="http://schemas.openxmlformats.org/markup-compatibility/2006" xmlns:mv="urn:schemas-microsoft-com:mac:vml" xmlns:p="http://schemas.openxmlformats.org/presentationml/2006/main" mc:Ignorable="mv" mc:PreserveAttributes="mv:*" autoCompressPictures="0">
   <p:sldMasterIdLst>
-    <p:sldMasterId id="2147483648" r:id="rId1"/>
+    <p:sldMasterId r:id="rId1"/>
   </p:sldMasterIdLst>
   <p:sldIdLst>
     <p:sldId id="256" r:id="rId2"/>
-    <p:sldId id="257" r:id="rId3"/>
-    <p:sldId id="264" r:id="rId4"/>
+    <p:sldId id="264" r:id="rId3"/>
+    <p:sldId id="257" r:id="rId4"/>
     <p:sldId id="258" r:id="rId5"/>
     <p:sldId id="259" r:id="rId6"/>
     <p:sldId id="260" r:id="rId7"/>
@@ -115,14 +115,14 @@
   </p:defaultTextStyle>
   <p:extLst>
     <p:ext uri="{EFAFB233-063F-42B5-8137-9DF3F51BA10A}">
-      <p15:sldGuideLst xmlns:p15="http://schemas.microsoft.com/office/powerpoint/2012/main"/>
+      <p15:sldGuideLst xmlns:p15="http://schemas.microsoft.com/office/powerpoint/2012/main" xmlns:p="http://schemas.openxmlformats.org/presentationml/2006/main" xmlns:r="http://schemas.openxmlformats.org/officeDocument/2006/relationships" xmlns:a="http://schemas.openxmlformats.org/drawingml/2006/main" xmlns=""/>
     </p:ext>
   </p:extLst>
 </p:presentation>
 </file>
 
 <file path=ppt/slideLayouts/slideLayout1.xml><?xml version="1.0" encoding="utf-8"?>
-<p:sldLayout xmlns:a="http://schemas.openxmlformats.org/drawingml/2006/main" xmlns:r="http://schemas.openxmlformats.org/officeDocument/2006/relationships" xmlns:p="http://schemas.openxmlformats.org/presentationml/2006/main" type="title" preserve="1">
+<p:sldLayout xmlns:a="http://schemas.openxmlformats.org/drawingml/2006/main" xmlns:r="http://schemas.openxmlformats.org/officeDocument/2006/relationships" xmlns:mc="http://schemas.openxmlformats.org/markup-compatibility/2006" xmlns:mv="urn:schemas-microsoft-com:mac:vml" xmlns:p="http://schemas.openxmlformats.org/presentationml/2006/main" mc:Ignorable="mv" mc:PreserveAttributes="mv:*" type="title" preserve="1">
   <p:cSld name="Title Slide">
     <p:spTree>
       <p:nvGrpSpPr>
@@ -310,7 +310,7 @@
             <a:fld id="{B61BEF0D-F0BB-DE4B-95CE-6DB70DBA9567}" type="datetimeFigureOut">
               <a:rPr lang="en-US" dirty="0"/>
               <a:pPr/>
-              <a:t>12/13/2019</a:t>
+              <a:t>12/13/19</a:t>
             </a:fld>
             <a:endParaRPr lang="en-US" dirty="0"/>
           </a:p>
@@ -455,7 +455,7 @@
 </file>
 
 <file path=ppt/slideLayouts/slideLayout10.xml><?xml version="1.0" encoding="utf-8"?>
-<p:sldLayout xmlns:a="http://schemas.openxmlformats.org/drawingml/2006/main" xmlns:r="http://schemas.openxmlformats.org/officeDocument/2006/relationships" xmlns:p="http://schemas.openxmlformats.org/presentationml/2006/main" preserve="1">
+<p:sldLayout xmlns:a="http://schemas.openxmlformats.org/drawingml/2006/main" xmlns:r="http://schemas.openxmlformats.org/officeDocument/2006/relationships" xmlns:mc="http://schemas.openxmlformats.org/markup-compatibility/2006" xmlns:mv="urn:schemas-microsoft-com:mac:vml" xmlns:p="http://schemas.openxmlformats.org/presentationml/2006/main" mc:Ignorable="mv" mc:PreserveAttributes="mv:*" preserve="1">
   <p:cSld name="Title and Caption">
     <p:spTree>
       <p:nvGrpSpPr>
@@ -645,7 +645,7 @@
             <a:fld id="{B61BEF0D-F0BB-DE4B-95CE-6DB70DBA9567}" type="datetimeFigureOut">
               <a:rPr lang="en-US" dirty="0"/>
               <a:pPr/>
-              <a:t>12/13/2019</a:t>
+              <a:t>12/13/19</a:t>
             </a:fld>
             <a:endParaRPr lang="en-US" dirty="0"/>
           </a:p>
@@ -790,7 +790,7 @@
 </file>
 
 <file path=ppt/slideLayouts/slideLayout11.xml><?xml version="1.0" encoding="utf-8"?>
-<p:sldLayout xmlns:a="http://schemas.openxmlformats.org/drawingml/2006/main" xmlns:r="http://schemas.openxmlformats.org/officeDocument/2006/relationships" xmlns:p="http://schemas.openxmlformats.org/presentationml/2006/main" preserve="1">
+<p:sldLayout xmlns:a="http://schemas.openxmlformats.org/drawingml/2006/main" xmlns:r="http://schemas.openxmlformats.org/officeDocument/2006/relationships" xmlns:mc="http://schemas.openxmlformats.org/markup-compatibility/2006" xmlns:mv="urn:schemas-microsoft-com:mac:vml" xmlns:p="http://schemas.openxmlformats.org/presentationml/2006/main" mc:Ignorable="mv" mc:PreserveAttributes="mv:*" preserve="1">
   <p:cSld name="Quote with Caption">
     <p:spTree>
       <p:nvGrpSpPr>
@@ -1043,7 +1043,7 @@
             <a:fld id="{B61BEF0D-F0BB-DE4B-95CE-6DB70DBA9567}" type="datetimeFigureOut">
               <a:rPr lang="en-US" dirty="0"/>
               <a:pPr/>
-              <a:t>12/13/2019</a:t>
+              <a:t>12/13/19</a:t>
             </a:fld>
             <a:endParaRPr lang="en-US" dirty="0"/>
           </a:p>
@@ -1264,7 +1264,7 @@
 </file>
 
 <file path=ppt/slideLayouts/slideLayout12.xml><?xml version="1.0" encoding="utf-8"?>
-<p:sldLayout xmlns:a="http://schemas.openxmlformats.org/drawingml/2006/main" xmlns:r="http://schemas.openxmlformats.org/officeDocument/2006/relationships" xmlns:p="http://schemas.openxmlformats.org/presentationml/2006/main" preserve="1">
+<p:sldLayout xmlns:a="http://schemas.openxmlformats.org/drawingml/2006/main" xmlns:r="http://schemas.openxmlformats.org/officeDocument/2006/relationships" xmlns:mc="http://schemas.openxmlformats.org/markup-compatibility/2006" xmlns:mv="urn:schemas-microsoft-com:mac:vml" xmlns:p="http://schemas.openxmlformats.org/presentationml/2006/main" mc:Ignorable="mv" mc:PreserveAttributes="mv:*" preserve="1">
   <p:cSld name="Name Card">
     <p:spTree>
       <p:nvGrpSpPr>
@@ -1376,7 +1376,7 @@
             <a:fld id="{B61BEF0D-F0BB-DE4B-95CE-6DB70DBA9567}" type="datetimeFigureOut">
               <a:rPr lang="en-US" dirty="0"/>
               <a:pPr/>
-              <a:t>12/13/2019</a:t>
+              <a:t>12/13/19</a:t>
             </a:fld>
             <a:endParaRPr lang="en-US" dirty="0"/>
           </a:p>
@@ -1521,7 +1521,7 @@
 </file>
 
 <file path=ppt/slideLayouts/slideLayout13.xml><?xml version="1.0" encoding="utf-8"?>
-<p:sldLayout xmlns:a="http://schemas.openxmlformats.org/drawingml/2006/main" xmlns:r="http://schemas.openxmlformats.org/officeDocument/2006/relationships" xmlns:p="http://schemas.openxmlformats.org/presentationml/2006/main" preserve="1">
+<p:sldLayout xmlns:a="http://schemas.openxmlformats.org/drawingml/2006/main" xmlns:r="http://schemas.openxmlformats.org/officeDocument/2006/relationships" xmlns:mc="http://schemas.openxmlformats.org/markup-compatibility/2006" xmlns:mv="urn:schemas-microsoft-com:mac:vml" xmlns:p="http://schemas.openxmlformats.org/presentationml/2006/main" mc:Ignorable="mv" mc:PreserveAttributes="mv:*" preserve="1">
   <p:cSld name="Quote Name Card">
     <p:spTree>
       <p:nvGrpSpPr>
@@ -1693,7 +1693,7 @@
             <a:fld id="{B61BEF0D-F0BB-DE4B-95CE-6DB70DBA9567}" type="datetimeFigureOut">
               <a:rPr lang="en-US" dirty="0"/>
               <a:pPr/>
-              <a:t>12/13/2019</a:t>
+              <a:t>12/13/19</a:t>
             </a:fld>
             <a:endParaRPr lang="en-US" dirty="0"/>
           </a:p>
@@ -1914,7 +1914,7 @@
 </file>
 
 <file path=ppt/slideLayouts/slideLayout14.xml><?xml version="1.0" encoding="utf-8"?>
-<p:sldLayout xmlns:a="http://schemas.openxmlformats.org/drawingml/2006/main" xmlns:r="http://schemas.openxmlformats.org/officeDocument/2006/relationships" xmlns:p="http://schemas.openxmlformats.org/presentationml/2006/main" preserve="1">
+<p:sldLayout xmlns:a="http://schemas.openxmlformats.org/drawingml/2006/main" xmlns:r="http://schemas.openxmlformats.org/officeDocument/2006/relationships" xmlns:mc="http://schemas.openxmlformats.org/markup-compatibility/2006" xmlns:mv="urn:schemas-microsoft-com:mac:vml" xmlns:p="http://schemas.openxmlformats.org/presentationml/2006/main" mc:Ignorable="mv" mc:PreserveAttributes="mv:*" preserve="1">
   <p:cSld name="True or False">
     <p:spTree>
       <p:nvGrpSpPr>
@@ -2086,7 +2086,7 @@
             <a:fld id="{B61BEF0D-F0BB-DE4B-95CE-6DB70DBA9567}" type="datetimeFigureOut">
               <a:rPr lang="en-US" dirty="0"/>
               <a:pPr/>
-              <a:t>12/13/2019</a:t>
+              <a:t>12/13/19</a:t>
             </a:fld>
             <a:endParaRPr lang="en-US" dirty="0"/>
           </a:p>
@@ -2231,7 +2231,7 @@
 </file>
 
 <file path=ppt/slideLayouts/slideLayout15.xml><?xml version="1.0" encoding="utf-8"?>
-<p:sldLayout xmlns:a="http://schemas.openxmlformats.org/drawingml/2006/main" xmlns:r="http://schemas.openxmlformats.org/officeDocument/2006/relationships" xmlns:p="http://schemas.openxmlformats.org/presentationml/2006/main" type="vertTx" preserve="1">
+<p:sldLayout xmlns:a="http://schemas.openxmlformats.org/drawingml/2006/main" xmlns:r="http://schemas.openxmlformats.org/officeDocument/2006/relationships" xmlns:mc="http://schemas.openxmlformats.org/markup-compatibility/2006" xmlns:mv="urn:schemas-microsoft-com:mac:vml" xmlns:p="http://schemas.openxmlformats.org/presentationml/2006/main" mc:Ignorable="mv" mc:PreserveAttributes="mv:*" type="vertTx" preserve="1">
   <p:cSld name="Title and Vertical Text">
     <p:spTree>
       <p:nvGrpSpPr>
@@ -2340,7 +2340,7 @@
             <a:fld id="{B61BEF0D-F0BB-DE4B-95CE-6DB70DBA9567}" type="datetimeFigureOut">
               <a:rPr lang="en-US" dirty="0"/>
               <a:pPr/>
-              <a:t>12/13/2019</a:t>
+              <a:t>12/13/19</a:t>
             </a:fld>
             <a:endParaRPr lang="en-US" dirty="0"/>
           </a:p>
@@ -2480,7 +2480,7 @@
 </file>
 
 <file path=ppt/slideLayouts/slideLayout16.xml><?xml version="1.0" encoding="utf-8"?>
-<p:sldLayout xmlns:a="http://schemas.openxmlformats.org/drawingml/2006/main" xmlns:r="http://schemas.openxmlformats.org/officeDocument/2006/relationships" xmlns:p="http://schemas.openxmlformats.org/presentationml/2006/main" type="vertTitleAndTx" preserve="1">
+<p:sldLayout xmlns:a="http://schemas.openxmlformats.org/drawingml/2006/main" xmlns:r="http://schemas.openxmlformats.org/officeDocument/2006/relationships" xmlns:mc="http://schemas.openxmlformats.org/markup-compatibility/2006" xmlns:mv="urn:schemas-microsoft-com:mac:vml" xmlns:p="http://schemas.openxmlformats.org/presentationml/2006/main" mc:Ignorable="mv" mc:PreserveAttributes="mv:*" type="vertTitleAndTx" preserve="1">
   <p:cSld name="Vertical Title and Text">
     <p:spTree>
       <p:nvGrpSpPr>
@@ -2599,7 +2599,7 @@
             <a:fld id="{B61BEF0D-F0BB-DE4B-95CE-6DB70DBA9567}" type="datetimeFigureOut">
               <a:rPr lang="en-US" dirty="0"/>
               <a:pPr/>
-              <a:t>12/13/2019</a:t>
+              <a:t>12/13/19</a:t>
             </a:fld>
             <a:endParaRPr lang="en-US" dirty="0"/>
           </a:p>
@@ -2739,7 +2739,7 @@
 </file>
 
 <file path=ppt/slideLayouts/slideLayout2.xml><?xml version="1.0" encoding="utf-8"?>
-<p:sldLayout xmlns:a="http://schemas.openxmlformats.org/drawingml/2006/main" xmlns:r="http://schemas.openxmlformats.org/officeDocument/2006/relationships" xmlns:p="http://schemas.openxmlformats.org/presentationml/2006/main" type="obj" preserve="1">
+<p:sldLayout xmlns:a="http://schemas.openxmlformats.org/drawingml/2006/main" xmlns:r="http://schemas.openxmlformats.org/officeDocument/2006/relationships" xmlns:mc="http://schemas.openxmlformats.org/markup-compatibility/2006" xmlns:mv="urn:schemas-microsoft-com:mac:vml" xmlns:p="http://schemas.openxmlformats.org/presentationml/2006/main" mc:Ignorable="mv" mc:PreserveAttributes="mv:*" type="obj" preserve="1">
   <p:cSld name="Title and Content">
     <p:spTree>
       <p:nvGrpSpPr>
@@ -2858,7 +2858,7 @@
             <a:fld id="{B61BEF0D-F0BB-DE4B-95CE-6DB70DBA9567}" type="datetimeFigureOut">
               <a:rPr lang="en-US" dirty="0"/>
               <a:pPr/>
-              <a:t>12/13/2019</a:t>
+              <a:t>12/13/19</a:t>
             </a:fld>
             <a:endParaRPr lang="en-US" dirty="0"/>
           </a:p>
@@ -2998,7 +2998,7 @@
 </file>
 
 <file path=ppt/slideLayouts/slideLayout3.xml><?xml version="1.0" encoding="utf-8"?>
-<p:sldLayout xmlns:a="http://schemas.openxmlformats.org/drawingml/2006/main" xmlns:r="http://schemas.openxmlformats.org/officeDocument/2006/relationships" xmlns:p="http://schemas.openxmlformats.org/presentationml/2006/main" type="secHead" preserve="1">
+<p:sldLayout xmlns:a="http://schemas.openxmlformats.org/drawingml/2006/main" xmlns:r="http://schemas.openxmlformats.org/officeDocument/2006/relationships" xmlns:mc="http://schemas.openxmlformats.org/markup-compatibility/2006" xmlns:mv="urn:schemas-microsoft-com:mac:vml" xmlns:p="http://schemas.openxmlformats.org/presentationml/2006/main" mc:Ignorable="mv" mc:PreserveAttributes="mv:*" type="secHead" preserve="1">
   <p:cSld name="Section Header">
     <p:spTree>
       <p:nvGrpSpPr>
@@ -3184,7 +3184,7 @@
             <a:fld id="{B61BEF0D-F0BB-DE4B-95CE-6DB70DBA9567}" type="datetimeFigureOut">
               <a:rPr lang="en-US" dirty="0"/>
               <a:pPr/>
-              <a:t>12/13/2019</a:t>
+              <a:t>12/13/19</a:t>
             </a:fld>
             <a:endParaRPr lang="en-US" dirty="0"/>
           </a:p>
@@ -3329,7 +3329,7 @@
 </file>
 
 <file path=ppt/slideLayouts/slideLayout4.xml><?xml version="1.0" encoding="utf-8"?>
-<p:sldLayout xmlns:a="http://schemas.openxmlformats.org/drawingml/2006/main" xmlns:r="http://schemas.openxmlformats.org/officeDocument/2006/relationships" xmlns:p="http://schemas.openxmlformats.org/presentationml/2006/main" type="twoObj" preserve="1">
+<p:sldLayout xmlns:a="http://schemas.openxmlformats.org/drawingml/2006/main" xmlns:r="http://schemas.openxmlformats.org/officeDocument/2006/relationships" xmlns:mc="http://schemas.openxmlformats.org/markup-compatibility/2006" xmlns:mv="urn:schemas-microsoft-com:mac:vml" xmlns:p="http://schemas.openxmlformats.org/presentationml/2006/main" mc:Ignorable="mv" mc:PreserveAttributes="mv:*" type="twoObj" preserve="1">
   <p:cSld name="Two Content">
     <p:spTree>
       <p:nvGrpSpPr>
@@ -3504,7 +3504,7 @@
             <a:fld id="{B61BEF0D-F0BB-DE4B-95CE-6DB70DBA9567}" type="datetimeFigureOut">
               <a:rPr lang="en-US" dirty="0"/>
               <a:pPr/>
-              <a:t>12/13/2019</a:t>
+              <a:t>12/13/19</a:t>
             </a:fld>
             <a:endParaRPr lang="en-US" dirty="0"/>
           </a:p>
@@ -3649,7 +3649,7 @@
 </file>
 
 <file path=ppt/slideLayouts/slideLayout5.xml><?xml version="1.0" encoding="utf-8"?>
-<p:sldLayout xmlns:a="http://schemas.openxmlformats.org/drawingml/2006/main" xmlns:r="http://schemas.openxmlformats.org/officeDocument/2006/relationships" xmlns:p="http://schemas.openxmlformats.org/presentationml/2006/main" type="twoTxTwoObj" preserve="1">
+<p:sldLayout xmlns:a="http://schemas.openxmlformats.org/drawingml/2006/main" xmlns:r="http://schemas.openxmlformats.org/officeDocument/2006/relationships" xmlns:mc="http://schemas.openxmlformats.org/markup-compatibility/2006" xmlns:mv="urn:schemas-microsoft-com:mac:vml" xmlns:p="http://schemas.openxmlformats.org/presentationml/2006/main" mc:Ignorable="mv" mc:PreserveAttributes="mv:*" type="twoTxTwoObj" preserve="1">
   <p:cSld name="Comparison">
     <p:spTree>
       <p:nvGrpSpPr>
@@ -3958,7 +3958,7 @@
             <a:fld id="{B61BEF0D-F0BB-DE4B-95CE-6DB70DBA9567}" type="datetimeFigureOut">
               <a:rPr lang="en-US" dirty="0"/>
               <a:pPr/>
-              <a:t>12/13/2019</a:t>
+              <a:t>12/13/19</a:t>
             </a:fld>
             <a:endParaRPr lang="en-US" dirty="0"/>
           </a:p>
@@ -4103,7 +4103,7 @@
 </file>
 
 <file path=ppt/slideLayouts/slideLayout6.xml><?xml version="1.0" encoding="utf-8"?>
-<p:sldLayout xmlns:a="http://schemas.openxmlformats.org/drawingml/2006/main" xmlns:r="http://schemas.openxmlformats.org/officeDocument/2006/relationships" xmlns:p="http://schemas.openxmlformats.org/presentationml/2006/main" type="titleOnly" preserve="1">
+<p:sldLayout xmlns:a="http://schemas.openxmlformats.org/drawingml/2006/main" xmlns:r="http://schemas.openxmlformats.org/officeDocument/2006/relationships" xmlns:mc="http://schemas.openxmlformats.org/markup-compatibility/2006" xmlns:mv="urn:schemas-microsoft-com:mac:vml" xmlns:p="http://schemas.openxmlformats.org/presentationml/2006/main" mc:Ignorable="mv" mc:PreserveAttributes="mv:*" type="titleOnly" preserve="1">
   <p:cSld name="Title Only">
     <p:spTree>
       <p:nvGrpSpPr>
@@ -4160,7 +4160,7 @@
             <a:fld id="{B61BEF0D-F0BB-DE4B-95CE-6DB70DBA9567}" type="datetimeFigureOut">
               <a:rPr lang="en-US" dirty="0"/>
               <a:pPr/>
-              <a:t>12/13/2019</a:t>
+              <a:t>12/13/19</a:t>
             </a:fld>
             <a:endParaRPr lang="en-US" dirty="0"/>
           </a:p>
@@ -4300,7 +4300,7 @@
 </file>
 
 <file path=ppt/slideLayouts/slideLayout7.xml><?xml version="1.0" encoding="utf-8"?>
-<p:sldLayout xmlns:a="http://schemas.openxmlformats.org/drawingml/2006/main" xmlns:r="http://schemas.openxmlformats.org/officeDocument/2006/relationships" xmlns:p="http://schemas.openxmlformats.org/presentationml/2006/main" type="blank" preserve="1">
+<p:sldLayout xmlns:a="http://schemas.openxmlformats.org/drawingml/2006/main" xmlns:r="http://schemas.openxmlformats.org/officeDocument/2006/relationships" xmlns:mc="http://schemas.openxmlformats.org/markup-compatibility/2006" xmlns:mv="urn:schemas-microsoft-com:mac:vml" xmlns:p="http://schemas.openxmlformats.org/presentationml/2006/main" mc:Ignorable="mv" mc:PreserveAttributes="mv:*" type="blank" preserve="1">
   <p:cSld name="Blank">
     <p:spTree>
       <p:nvGrpSpPr>
@@ -4334,7 +4334,7 @@
             <a:fld id="{B61BEF0D-F0BB-DE4B-95CE-6DB70DBA9567}" type="datetimeFigureOut">
               <a:rPr lang="en-US" dirty="0"/>
               <a:pPr/>
-              <a:t>12/13/2019</a:t>
+              <a:t>12/13/19</a:t>
             </a:fld>
             <a:endParaRPr lang="en-US" dirty="0"/>
           </a:p>
@@ -4474,7 +4474,7 @@
 </file>
 
 <file path=ppt/slideLayouts/slideLayout8.xml><?xml version="1.0" encoding="utf-8"?>
-<p:sldLayout xmlns:a="http://schemas.openxmlformats.org/drawingml/2006/main" xmlns:r="http://schemas.openxmlformats.org/officeDocument/2006/relationships" xmlns:p="http://schemas.openxmlformats.org/presentationml/2006/main" type="objTx" preserve="1">
+<p:sldLayout xmlns:a="http://schemas.openxmlformats.org/drawingml/2006/main" xmlns:r="http://schemas.openxmlformats.org/officeDocument/2006/relationships" xmlns:mc="http://schemas.openxmlformats.org/markup-compatibility/2006" xmlns:mv="urn:schemas-microsoft-com:mac:vml" xmlns:p="http://schemas.openxmlformats.org/presentationml/2006/main" mc:Ignorable="mv" mc:PreserveAttributes="mv:*" type="objTx" preserve="1">
   <p:cSld name="Content with Caption">
     <p:spTree>
       <p:nvGrpSpPr>
@@ -4664,7 +4664,7 @@
             <a:fld id="{B61BEF0D-F0BB-DE4B-95CE-6DB70DBA9567}" type="datetimeFigureOut">
               <a:rPr lang="en-US" dirty="0"/>
               <a:pPr/>
-              <a:t>12/13/2019</a:t>
+              <a:t>12/13/19</a:t>
             </a:fld>
             <a:endParaRPr lang="en-US" dirty="0"/>
           </a:p>
@@ -4804,7 +4804,7 @@
 </file>
 
 <file path=ppt/slideLayouts/slideLayout9.xml><?xml version="1.0" encoding="utf-8"?>
-<p:sldLayout xmlns:a="http://schemas.openxmlformats.org/drawingml/2006/main" xmlns:r="http://schemas.openxmlformats.org/officeDocument/2006/relationships" xmlns:p="http://schemas.openxmlformats.org/presentationml/2006/main" type="picTx" preserve="1">
+<p:sldLayout xmlns:a="http://schemas.openxmlformats.org/drawingml/2006/main" xmlns:r="http://schemas.openxmlformats.org/officeDocument/2006/relationships" xmlns:mc="http://schemas.openxmlformats.org/markup-compatibility/2006" xmlns:mv="urn:schemas-microsoft-com:mac:vml" xmlns:p="http://schemas.openxmlformats.org/presentationml/2006/main" mc:Ignorable="mv" mc:PreserveAttributes="mv:*" type="picTx" preserve="1">
   <p:cSld name="Picture with Caption">
     <p:spTree>
       <p:nvGrpSpPr>
@@ -5006,7 +5006,7 @@
             <a:fld id="{B61BEF0D-F0BB-DE4B-95CE-6DB70DBA9567}" type="datetimeFigureOut">
               <a:rPr lang="en-US" dirty="0"/>
               <a:pPr/>
-              <a:t>12/13/2019</a:t>
+              <a:t>12/13/19</a:t>
             </a:fld>
             <a:endParaRPr lang="en-US" dirty="0"/>
           </a:p>
@@ -5151,7 +5151,7 @@
 </file>
 
 <file path=ppt/slideMasters/slideMaster1.xml><?xml version="1.0" encoding="utf-8"?>
-<p:sldMaster xmlns:a="http://schemas.openxmlformats.org/drawingml/2006/main" xmlns:r="http://schemas.openxmlformats.org/officeDocument/2006/relationships" xmlns:p="http://schemas.openxmlformats.org/presentationml/2006/main">
+<p:sldMaster xmlns:a="http://schemas.openxmlformats.org/drawingml/2006/main" xmlns:r="http://schemas.openxmlformats.org/officeDocument/2006/relationships" xmlns:mc="http://schemas.openxmlformats.org/markup-compatibility/2006" xmlns:mv="urn:schemas-microsoft-com:mac:vml" xmlns:p="http://schemas.openxmlformats.org/presentationml/2006/main" mc:Ignorable="mv" mc:PreserveAttributes="mv:*">
   <p:cSld>
     <p:bg>
       <p:bgRef idx="1003">
@@ -7120,7 +7120,7 @@
             <a:fld id="{B61BEF0D-F0BB-DE4B-95CE-6DB70DBA9567}" type="datetimeFigureOut">
               <a:rPr lang="en-US" dirty="0"/>
               <a:pPr/>
-              <a:t>12/13/2019</a:t>
+              <a:t>12/13/19</a:t>
             </a:fld>
             <a:endParaRPr lang="en-US" dirty="0"/>
           </a:p>
@@ -7207,22 +7207,22 @@
   </p:cSld>
   <p:clrMap bg1="lt1" tx1="dk1" bg2="lt2" tx2="dk2" accent1="accent1" accent2="accent2" accent3="accent3" accent4="accent4" accent5="accent5" accent6="accent6" hlink="hlink" folHlink="folHlink"/>
   <p:sldLayoutIdLst>
-    <p:sldLayoutId id="2147483649" r:id="rId1"/>
-    <p:sldLayoutId id="2147483650" r:id="rId2"/>
-    <p:sldLayoutId id="2147483651" r:id="rId3"/>
-    <p:sldLayoutId id="2147483652" r:id="rId4"/>
-    <p:sldLayoutId id="2147483653" r:id="rId5"/>
-    <p:sldLayoutId id="2147483654" r:id="rId6"/>
-    <p:sldLayoutId id="2147483655" r:id="rId7"/>
-    <p:sldLayoutId id="2147483656" r:id="rId8"/>
-    <p:sldLayoutId id="2147483657" r:id="rId9"/>
-    <p:sldLayoutId id="2147483660" r:id="rId10"/>
-    <p:sldLayoutId id="2147483661" r:id="rId11"/>
-    <p:sldLayoutId id="2147483662" r:id="rId12"/>
-    <p:sldLayoutId id="2147483663" r:id="rId13"/>
-    <p:sldLayoutId id="2147483664" r:id="rId14"/>
-    <p:sldLayoutId id="2147483658" r:id="rId15"/>
-    <p:sldLayoutId id="2147483659" r:id="rId16"/>
+    <p:sldLayoutId r:id="rId1"/>
+    <p:sldLayoutId r:id="rId2"/>
+    <p:sldLayoutId r:id="rId3"/>
+    <p:sldLayoutId r:id="rId4"/>
+    <p:sldLayoutId r:id="rId5"/>
+    <p:sldLayoutId r:id="rId6"/>
+    <p:sldLayoutId r:id="rId7"/>
+    <p:sldLayoutId r:id="rId8"/>
+    <p:sldLayoutId r:id="rId9"/>
+    <p:sldLayoutId r:id="rId10"/>
+    <p:sldLayoutId r:id="rId11"/>
+    <p:sldLayoutId r:id="rId12"/>
+    <p:sldLayoutId r:id="rId13"/>
+    <p:sldLayoutId r:id="rId14"/>
+    <p:sldLayoutId r:id="rId15"/>
+    <p:sldLayoutId r:id="rId16"/>
   </p:sldLayoutIdLst>
   <p:txStyles>
     <p:titleStyle>
@@ -7618,7 +7618,7 @@
 </file>
 
 <file path=ppt/slides/slide1.xml><?xml version="1.0" encoding="utf-8"?>
-<p:sld xmlns:a="http://schemas.openxmlformats.org/drawingml/2006/main" xmlns:r="http://schemas.openxmlformats.org/officeDocument/2006/relationships" xmlns:p="http://schemas.openxmlformats.org/presentationml/2006/main">
+<p:sld xmlns:a="http://schemas.openxmlformats.org/drawingml/2006/main" xmlns:r="http://schemas.openxmlformats.org/officeDocument/2006/relationships" xmlns:mc="http://schemas.openxmlformats.org/markup-compatibility/2006" xmlns:mv="urn:schemas-microsoft-com:mac:vml" xmlns:p="http://schemas.openxmlformats.org/presentationml/2006/main" mc:Ignorable="mv" mc:PreserveAttributes="mv:*">
   <p:cSld>
     <p:spTree>
       <p:nvGrpSpPr>
@@ -7683,7 +7683,7 @@
     </p:spTree>
     <p:extLst>
       <p:ext uri="{BB962C8B-B14F-4D97-AF65-F5344CB8AC3E}">
-        <p14:creationId xmlns:p14="http://schemas.microsoft.com/office/powerpoint/2010/main" val="1589312050"/>
+        <p14:creationId xmlns:p14="http://schemas.microsoft.com/office/powerpoint/2010/main" xmlns:p="http://schemas.openxmlformats.org/presentationml/2006/main" xmlns:r="http://schemas.openxmlformats.org/officeDocument/2006/relationships" xmlns:a="http://schemas.openxmlformats.org/drawingml/2006/main" xmlns="" val="1589312050"/>
       </p:ext>
     </p:extLst>
   </p:cSld>
@@ -7701,7 +7701,7 @@
 </file>
 
 <file path=ppt/slides/slide10.xml><?xml version="1.0" encoding="utf-8"?>
-<p:sld xmlns:a="http://schemas.openxmlformats.org/drawingml/2006/main" xmlns:r="http://schemas.openxmlformats.org/officeDocument/2006/relationships" xmlns:p="http://schemas.openxmlformats.org/presentationml/2006/main">
+<p:sld xmlns:a="http://schemas.openxmlformats.org/drawingml/2006/main" xmlns:r="http://schemas.openxmlformats.org/officeDocument/2006/relationships" xmlns:mc="http://schemas.openxmlformats.org/markup-compatibility/2006" xmlns:mv="urn:schemas-microsoft-com:mac:vml" xmlns:p="http://schemas.openxmlformats.org/presentationml/2006/main" mc:Ignorable="mv" mc:PreserveAttributes="mv:*">
   <p:cSld>
     <p:spTree>
       <p:nvGrpSpPr>
@@ -7776,11 +7776,19 @@
             </a:r>
             <a:r>
               <a:rPr lang="en-US" dirty="0" smtClean="0"/>
-              <a:t>                                                      </a:t>
+              <a:t>                                     </a:t>
+            </a:r>
+            <a:r>
+              <a:rPr lang="en-US" dirty="0" smtClean="0"/>
+              <a:t> </a:t>
             </a:r>
             <a:r>
               <a:rPr lang="en-US" sz="4000" dirty="0" smtClean="0"/>
-              <a:t>Q/A</a:t>
+              <a:t>Q</a:t>
+            </a:r>
+            <a:r>
+              <a:rPr lang="en-US" sz="4000" dirty="0" smtClean="0"/>
+              <a:t>/A</a:t>
             </a:r>
           </a:p>
         </p:txBody>
@@ -7788,7 +7796,7 @@
     </p:spTree>
     <p:extLst>
       <p:ext uri="{BB962C8B-B14F-4D97-AF65-F5344CB8AC3E}">
-        <p14:creationId xmlns:p14="http://schemas.microsoft.com/office/powerpoint/2010/main" val="1269787419"/>
+        <p14:creationId xmlns:p14="http://schemas.microsoft.com/office/powerpoint/2010/main" xmlns:p="http://schemas.openxmlformats.org/presentationml/2006/main" xmlns:r="http://schemas.openxmlformats.org/officeDocument/2006/relationships" xmlns:a="http://schemas.openxmlformats.org/drawingml/2006/main" xmlns="" val="1269787419"/>
       </p:ext>
     </p:extLst>
   </p:cSld>
@@ -7806,7 +7814,7 @@
 </file>
 
 <file path=ppt/slides/slide2.xml><?xml version="1.0" encoding="utf-8"?>
-<p:sld xmlns:a="http://schemas.openxmlformats.org/drawingml/2006/main" xmlns:r="http://schemas.openxmlformats.org/officeDocument/2006/relationships" xmlns:p="http://schemas.openxmlformats.org/presentationml/2006/main">
+<p:sld xmlns:a="http://schemas.openxmlformats.org/drawingml/2006/main" xmlns:r="http://schemas.openxmlformats.org/officeDocument/2006/relationships" xmlns:mc="http://schemas.openxmlformats.org/markup-compatibility/2006" xmlns:mv="urn:schemas-microsoft-com:mac:vml" xmlns:p="http://schemas.openxmlformats.org/presentationml/2006/main" mc:Ignorable="mv" mc:PreserveAttributes="mv:*">
   <p:cSld>
     <p:spTree>
       <p:nvGrpSpPr>
@@ -7832,6 +7840,152 @@
             <p:ph type="title"/>
           </p:nvPr>
         </p:nvSpPr>
+        <p:spPr/>
+        <p:txBody>
+          <a:bodyPr/>
+          <a:lstStyle/>
+          <a:p>
+            <a:r>
+              <a:rPr lang="en-US" dirty="0" smtClean="0"/>
+              <a:t>Who we are?</a:t>
+            </a:r>
+            <a:endParaRPr lang="en-US" dirty="0"/>
+          </a:p>
+        </p:txBody>
+      </p:sp>
+      <p:sp>
+        <p:nvSpPr>
+          <p:cNvPr id="3" name="Content Placeholder 2"/>
+          <p:cNvSpPr>
+            <a:spLocks noGrp="1"/>
+          </p:cNvSpPr>
+          <p:nvPr>
+            <p:ph idx="1"/>
+          </p:nvPr>
+        </p:nvSpPr>
+        <p:spPr/>
+        <p:txBody>
+          <a:bodyPr/>
+          <a:lstStyle/>
+          <a:p>
+            <a:pPr marL="0" indent="0">
+              <a:buNone/>
+            </a:pPr>
+            <a:endParaRPr lang="en-US" dirty="0"/>
+          </a:p>
+          <a:p>
+            <a:r>
+              <a:rPr lang="en-US" sz="3200" dirty="0">
+                <a:latin typeface="Californian FB" panose="0207040306080B030204" pitchFamily="18" charset="0"/>
+              </a:rPr>
+              <a:t> </a:t>
+            </a:r>
+            <a:r>
+              <a:rPr lang="en-US" sz="3200" dirty="0" smtClean="0">
+                <a:latin typeface="Californian FB" panose="0207040306080B030204" pitchFamily="18" charset="0"/>
+              </a:rPr>
+              <a:t>Noah</a:t>
+            </a:r>
+            <a:endParaRPr lang="en-US" sz="3200" dirty="0">
+              <a:latin typeface="Californian FB" panose="0207040306080B030204" pitchFamily="18" charset="0"/>
+            </a:endParaRPr>
+          </a:p>
+          <a:p>
+            <a:r>
+              <a:rPr lang="en-US" sz="3200" dirty="0">
+                <a:latin typeface="Californian FB" panose="0207040306080B030204" pitchFamily="18" charset="0"/>
+              </a:rPr>
+              <a:t> </a:t>
+            </a:r>
+            <a:r>
+              <a:rPr lang="en-US" sz="3200" dirty="0" smtClean="0">
+                <a:latin typeface="Californian FB" panose="0207040306080B030204" pitchFamily="18" charset="0"/>
+              </a:rPr>
+              <a:t>Roman</a:t>
+            </a:r>
+            <a:endParaRPr lang="en-US" sz="3200" dirty="0">
+              <a:latin typeface="Californian FB" panose="0207040306080B030204" pitchFamily="18" charset="0"/>
+            </a:endParaRPr>
+          </a:p>
+          <a:p>
+            <a:r>
+              <a:rPr lang="en-US" sz="3200" dirty="0">
+                <a:latin typeface="Californian FB" panose="0207040306080B030204" pitchFamily="18" charset="0"/>
+              </a:rPr>
+              <a:t> </a:t>
+            </a:r>
+            <a:r>
+              <a:rPr lang="en-US" sz="3200" dirty="0" smtClean="0">
+                <a:latin typeface="Californian FB" panose="0207040306080B030204" pitchFamily="18" charset="0"/>
+              </a:rPr>
+              <a:t>James</a:t>
+            </a:r>
+            <a:endParaRPr lang="en-US" sz="3200" dirty="0">
+              <a:latin typeface="Californian FB" panose="0207040306080B030204" pitchFamily="18" charset="0"/>
+            </a:endParaRPr>
+          </a:p>
+          <a:p>
+            <a:r>
+              <a:rPr lang="en-US" sz="3200" dirty="0">
+                <a:latin typeface="Californian FB" panose="0207040306080B030204" pitchFamily="18" charset="0"/>
+              </a:rPr>
+              <a:t> </a:t>
+            </a:r>
+            <a:r>
+              <a:rPr lang="en-US" sz="3200" dirty="0" smtClean="0">
+                <a:latin typeface="Californian FB" panose="0207040306080B030204" pitchFamily="18" charset="0"/>
+              </a:rPr>
+              <a:t>Shubham</a:t>
+            </a:r>
+            <a:endParaRPr lang="en-US" sz="3200" dirty="0">
+              <a:latin typeface="Californian FB" panose="0207040306080B030204" pitchFamily="18" charset="0"/>
+            </a:endParaRPr>
+          </a:p>
+          <a:p>
+            <a:endParaRPr lang="en-US" dirty="0"/>
+          </a:p>
+        </p:txBody>
+      </p:sp>
+    </p:spTree>
+    <p:extLst>
+      <p:ext uri="{BB962C8B-B14F-4D97-AF65-F5344CB8AC3E}">
+        <p14:creationId xmlns:p14="http://schemas.microsoft.com/office/powerpoint/2010/main" xmlns:p="http://schemas.openxmlformats.org/presentationml/2006/main" xmlns:r="http://schemas.openxmlformats.org/officeDocument/2006/relationships" xmlns:a="http://schemas.openxmlformats.org/drawingml/2006/main" xmlns="" val="1310498405"/>
+      </p:ext>
+    </p:extLst>
+  </p:cSld>
+  <p:clrMapOvr>
+    <a:masterClrMapping/>
+  </p:clrMapOvr>
+</p:sld>
+</file>
+
+<file path=ppt/slides/slide3.xml><?xml version="1.0" encoding="utf-8"?>
+<p:sld xmlns:a="http://schemas.openxmlformats.org/drawingml/2006/main" xmlns:r="http://schemas.openxmlformats.org/officeDocument/2006/relationships" xmlns:mc="http://schemas.openxmlformats.org/markup-compatibility/2006" xmlns:mv="urn:schemas-microsoft-com:mac:vml" xmlns:p="http://schemas.openxmlformats.org/presentationml/2006/main" mc:Ignorable="mv" mc:PreserveAttributes="mv:*">
+  <p:cSld>
+    <p:spTree>
+      <p:nvGrpSpPr>
+        <p:cNvPr id="1" name=""/>
+        <p:cNvGrpSpPr/>
+        <p:nvPr/>
+      </p:nvGrpSpPr>
+      <p:grpSpPr>
+        <a:xfrm>
+          <a:off x="0" y="0"/>
+          <a:ext cx="0" cy="0"/>
+          <a:chOff x="0" y="0"/>
+          <a:chExt cx="0" cy="0"/>
+        </a:xfrm>
+      </p:grpSpPr>
+      <p:sp>
+        <p:nvSpPr>
+          <p:cNvPr id="2" name="Title 1"/>
+          <p:cNvSpPr>
+            <a:spLocks noGrp="1"/>
+          </p:cNvSpPr>
+          <p:nvPr>
+            <p:ph type="title"/>
+          </p:nvPr>
+        </p:nvSpPr>
         <p:spPr>
           <a:xfrm>
             <a:off x="2592925" y="624110"/>
@@ -7846,11 +8000,7 @@
           <a:p>
             <a:r>
               <a:rPr lang="en-US" dirty="0" smtClean="0"/>
-              <a:t>Application </a:t>
-            </a:r>
-            <a:r>
-              <a:rPr lang="en-US" dirty="0" smtClean="0"/>
-              <a:t>Overview</a:t>
+              <a:t>Application Overview</a:t>
             </a:r>
             <a:endParaRPr lang="en-US" dirty="0"/>
           </a:p>
@@ -7866,7 +8016,12 @@
             <p:ph idx="1"/>
           </p:nvPr>
         </p:nvSpPr>
-        <p:spPr/>
+        <p:spPr>
+          <a:xfrm>
+            <a:off x="894826" y="2133600"/>
+            <a:ext cx="10609786" cy="3777622"/>
+          </a:xfrm>
+        </p:spPr>
         <p:txBody>
           <a:bodyPr>
             <a:normAutofit/>
@@ -7881,117 +8036,15 @@
                 <a:latin typeface="Californian FB" panose="0207040306080B030204" pitchFamily="18" charset="0"/>
                 <a:cs typeface="Arial" panose="020B0604020202020204" pitchFamily="34" charset="0"/>
               </a:rPr>
-              <a:t>This app has been created  using NASA </a:t>
-            </a:r>
-            <a:r>
-              <a:rPr lang="en-US" sz="2400" dirty="0" smtClean="0">
-                <a:latin typeface="Californian FB" panose="0207040306080B030204" pitchFamily="18" charset="0"/>
-                <a:cs typeface="Arial" panose="020B0604020202020204" pitchFamily="34" charset="0"/>
-              </a:rPr>
-              <a:t>API and Geo Code API </a:t>
-            </a:r>
-            <a:r>
-              <a:rPr lang="en-US" sz="2400" dirty="0" smtClean="0">
-                <a:latin typeface="Californian FB" panose="0207040306080B030204" pitchFamily="18" charset="0"/>
-                <a:cs typeface="Arial" panose="020B0604020202020204" pitchFamily="34" charset="0"/>
-              </a:rPr>
-              <a:t>to search for </a:t>
-            </a:r>
-            <a:r>
-              <a:rPr lang="en-US" sz="2400" dirty="0" smtClean="0">
-                <a:latin typeface="Californian FB" panose="0207040306080B030204" pitchFamily="18" charset="0"/>
-                <a:cs typeface="Arial" panose="020B0604020202020204" pitchFamily="34" charset="0"/>
-              </a:rPr>
-              <a:t>asteroids and plot them on map respectively. </a:t>
-            </a:r>
-            <a:r>
-              <a:rPr lang="en-US" sz="2400" dirty="0" smtClean="0">
-                <a:latin typeface="Californian FB" panose="0207040306080B030204" pitchFamily="18" charset="0"/>
-                <a:cs typeface="Arial" panose="020B0604020202020204" pitchFamily="34" charset="0"/>
-              </a:rPr>
-              <a:t>With </a:t>
-            </a:r>
-            <a:r>
-              <a:rPr lang="en-US" sz="2400" dirty="0" smtClean="0">
-                <a:latin typeface="Californian FB" panose="0207040306080B030204" pitchFamily="18" charset="0"/>
-                <a:cs typeface="Arial" panose="020B0604020202020204" pitchFamily="34" charset="0"/>
-              </a:rPr>
-              <a:t>NASA </a:t>
-            </a:r>
-            <a:r>
-              <a:rPr lang="en-US" sz="2400" dirty="0" smtClean="0">
-                <a:latin typeface="Californian FB" panose="0207040306080B030204" pitchFamily="18" charset="0"/>
-                <a:cs typeface="Arial" panose="020B0604020202020204" pitchFamily="34" charset="0"/>
-              </a:rPr>
-              <a:t>API we are able to get asteroid data such as  Speed, distance from earth, risk level etc. We have used these data extensively to create an App that will help our users to find, search ,edit , delete and save asteroid data . </a:t>
-            </a:r>
-            <a:r>
-              <a:rPr lang="en-US" sz="2400" dirty="0" smtClean="0">
-                <a:latin typeface="Californian FB" panose="0207040306080B030204" pitchFamily="18" charset="0"/>
-                <a:cs typeface="Arial" panose="020B0604020202020204" pitchFamily="34" charset="0"/>
-              </a:rPr>
-              <a:t>We have </a:t>
-            </a:r>
-            <a:r>
-              <a:rPr lang="en-US" sz="2400" dirty="0" smtClean="0">
-                <a:latin typeface="Californian FB" panose="0207040306080B030204" pitchFamily="18" charset="0"/>
-                <a:cs typeface="Arial" panose="020B0604020202020204" pitchFamily="34" charset="0"/>
-              </a:rPr>
-              <a:t>used CRUD methods to fetch , update and delete data from JSON response .This application has been built on JAVA Script, CSS and node.js framework. </a:t>
-            </a:r>
-            <a:r>
-              <a:rPr lang="en-US" sz="2400" dirty="0" smtClean="0">
-                <a:latin typeface="Californian FB" panose="0207040306080B030204" pitchFamily="18" charset="0"/>
-                <a:cs typeface="Arial" panose="020B0604020202020204" pitchFamily="34" charset="0"/>
-              </a:rPr>
-              <a:t>We have also incorporated </a:t>
-            </a:r>
-            <a:r>
-              <a:rPr lang="en-US" sz="2400" dirty="0" err="1" smtClean="0">
-                <a:latin typeface="Californian FB" panose="0207040306080B030204" pitchFamily="18" charset="0"/>
-                <a:cs typeface="Arial" panose="020B0604020202020204" pitchFamily="34" charset="0"/>
-              </a:rPr>
-              <a:t>postgresql</a:t>
-            </a:r>
-            <a:r>
-              <a:rPr lang="en-US" sz="2400" dirty="0" smtClean="0">
-                <a:latin typeface="Californian FB" panose="0207040306080B030204" pitchFamily="18" charset="0"/>
-                <a:cs typeface="Arial" panose="020B0604020202020204" pitchFamily="34" charset="0"/>
-              </a:rPr>
-              <a:t> </a:t>
-            </a:r>
-            <a:r>
-              <a:rPr lang="en-US" sz="2400" dirty="0" smtClean="0">
-                <a:latin typeface="Californian FB" panose="0207040306080B030204" pitchFamily="18" charset="0"/>
-                <a:cs typeface="Arial" panose="020B0604020202020204" pitchFamily="34" charset="0"/>
-              </a:rPr>
-              <a:t>as our backend service and deployed our app on </a:t>
-            </a:r>
-            <a:r>
-              <a:rPr lang="en-US" sz="2400" dirty="0" err="1" smtClean="0">
-                <a:latin typeface="Californian FB" panose="0207040306080B030204" pitchFamily="18" charset="0"/>
-                <a:cs typeface="Arial" panose="020B0604020202020204" pitchFamily="34" charset="0"/>
-              </a:rPr>
-              <a:t>Heroku</a:t>
-            </a:r>
-            <a:r>
-              <a:rPr lang="en-US" sz="2400" dirty="0" smtClean="0">
-                <a:latin typeface="Californian FB" panose="0207040306080B030204" pitchFamily="18" charset="0"/>
-                <a:cs typeface="Arial" panose="020B0604020202020204" pitchFamily="34" charset="0"/>
-              </a:rPr>
-              <a:t>.</a:t>
-            </a:r>
-            <a:endParaRPr lang="en-US" sz="2400" dirty="0" smtClean="0">
-              <a:latin typeface="Californian FB" panose="0207040306080B030204" pitchFamily="18" charset="0"/>
-              <a:cs typeface="Arial" panose="020B0604020202020204" pitchFamily="34" charset="0"/>
-            </a:endParaRPr>
+              <a:t>This app has been created  using NASA API and Geo Code API to search for asteroids and plot them on map respectively. With NASA API we are able to get asteroid data such as  Speed, distance from earth, risk level etc. We have used these data extensively to create an App that will help our users to find, search ,edit , delete and save asteroid data . We have used CRUD methods to fetch , update and delete data from JSON response .This application has been built on JAVA Script, CSS and node.js framework. We have also incorporated postgresql as our backend service and deployed our app on Heroku.</a:t>
+            </a:r>
           </a:p>
         </p:txBody>
       </p:sp>
     </p:spTree>
     <p:extLst>
       <p:ext uri="{BB962C8B-B14F-4D97-AF65-F5344CB8AC3E}">
-        <p14:creationId xmlns:p14="http://schemas.microsoft.com/office/powerpoint/2010/main" val="3966630553"/>
+        <p14:creationId xmlns:p14="http://schemas.microsoft.com/office/powerpoint/2010/main" xmlns:p="http://schemas.openxmlformats.org/presentationml/2006/main" xmlns:r="http://schemas.openxmlformats.org/officeDocument/2006/relationships" xmlns:a="http://schemas.openxmlformats.org/drawingml/2006/main" xmlns="" val="3966630553"/>
       </p:ext>
     </p:extLst>
   </p:cSld>
@@ -8008,8 +8061,8 @@
 </p:sld>
 </file>
 
-<file path=ppt/slides/slide3.xml><?xml version="1.0" encoding="utf-8"?>
-<p:sld xmlns:a="http://schemas.openxmlformats.org/drawingml/2006/main" xmlns:r="http://schemas.openxmlformats.org/officeDocument/2006/relationships" xmlns:p="http://schemas.openxmlformats.org/presentationml/2006/main">
+<file path=ppt/slides/slide4.xml><?xml version="1.0" encoding="utf-8"?>
+<p:sld xmlns:a="http://schemas.openxmlformats.org/drawingml/2006/main" xmlns:r="http://schemas.openxmlformats.org/officeDocument/2006/relationships" xmlns:mc="http://schemas.openxmlformats.org/markup-compatibility/2006" xmlns:mv="urn:schemas-microsoft-com:mac:vml" xmlns:p="http://schemas.openxmlformats.org/presentationml/2006/main" mc:Ignorable="mv" mc:PreserveAttributes="mv:*">
   <p:cSld>
     <p:spTree>
       <p:nvGrpSpPr>
@@ -8035,116 +8088,132 @@
             <p:ph type="title"/>
           </p:nvPr>
         </p:nvSpPr>
-        <p:spPr/>
+        <p:spPr>
+          <a:xfrm>
+            <a:off x="2592925" y="624110"/>
+            <a:ext cx="8911687" cy="444836"/>
+          </a:xfrm>
+        </p:spPr>
+        <p:txBody>
+          <a:bodyPr>
+            <a:normAutofit fontScale="90000"/>
+          </a:bodyPr>
+          <a:lstStyle/>
+          <a:p>
+            <a:r>
+              <a:rPr lang="en-US" dirty="0"/>
+              <a:t>Page Contents</a:t>
+            </a:r>
+            <a:br>
+              <a:rPr lang="en-US" dirty="0"/>
+            </a:br>
+            <a:endParaRPr lang="en-US" dirty="0"/>
+          </a:p>
+        </p:txBody>
+      </p:sp>
+      <p:sp>
+        <p:nvSpPr>
+          <p:cNvPr id="3" name="Content Placeholder 2"/>
+          <p:cNvSpPr>
+            <a:spLocks noGrp="1"/>
+          </p:cNvSpPr>
+          <p:nvPr>
+            <p:ph idx="1"/>
+          </p:nvPr>
+        </p:nvSpPr>
+        <p:spPr>
+          <a:xfrm>
+            <a:off x="2589212" y="1390918"/>
+            <a:ext cx="8915400" cy="4520304"/>
+          </a:xfrm>
+        </p:spPr>
         <p:txBody>
           <a:bodyPr/>
           <a:lstStyle/>
           <a:p>
-            <a:r>
-              <a:rPr lang="en-US" dirty="0" smtClean="0"/>
-              <a:t>Who we are?</a:t>
-            </a:r>
-            <a:endParaRPr lang="en-US" dirty="0"/>
-          </a:p>
-        </p:txBody>
-      </p:sp>
-      <p:sp>
-        <p:nvSpPr>
-          <p:cNvPr id="3" name="Content Placeholder 2"/>
-          <p:cNvSpPr>
-            <a:spLocks noGrp="1"/>
-          </p:cNvSpPr>
-          <p:nvPr>
-            <p:ph idx="1"/>
-          </p:nvPr>
-        </p:nvSpPr>
-        <p:spPr/>
-        <p:txBody>
-          <a:bodyPr/>
-          <a:lstStyle/>
-          <a:p>
             <a:pPr marL="0" indent="0">
               <a:buNone/>
             </a:pPr>
             <a:endParaRPr lang="en-US" dirty="0"/>
           </a:p>
           <a:p>
-            <a:r>
-              <a:rPr lang="en-US" sz="3200" dirty="0">
+            <a:pPr>
+              <a:buFont typeface="+mj-lt"/>
+              <a:buAutoNum type="arabicPeriod"/>
+            </a:pPr>
+            <a:r>
+              <a:rPr lang="en-US" sz="3600" dirty="0" smtClean="0">
                 <a:latin typeface="Californian FB" panose="0207040306080B030204" pitchFamily="18" charset="0"/>
               </a:rPr>
-              <a:t> </a:t>
-            </a:r>
-            <a:r>
-              <a:rPr lang="en-US" sz="3200" dirty="0" smtClean="0">
+              <a:t>Home Page </a:t>
+            </a:r>
+          </a:p>
+          <a:p>
+            <a:pPr>
+              <a:buFont typeface="+mj-lt"/>
+              <a:buAutoNum type="arabicPeriod"/>
+            </a:pPr>
+            <a:r>
+              <a:rPr lang="en-US" sz="3600" dirty="0" smtClean="0">
                 <a:latin typeface="Californian FB" panose="0207040306080B030204" pitchFamily="18" charset="0"/>
               </a:rPr>
-              <a:t>Noah</a:t>
-            </a:r>
-            <a:endParaRPr lang="en-US" sz="3200" dirty="0">
-              <a:latin typeface="Californian FB" panose="0207040306080B030204" pitchFamily="18" charset="0"/>
-            </a:endParaRPr>
-          </a:p>
-          <a:p>
-            <a:r>
-              <a:rPr lang="en-US" sz="3200" dirty="0">
+              <a:t>New Search</a:t>
+            </a:r>
+          </a:p>
+          <a:p>
+            <a:pPr>
+              <a:buFont typeface="+mj-lt"/>
+              <a:buAutoNum type="arabicPeriod"/>
+            </a:pPr>
+            <a:r>
+              <a:rPr lang="en-US" sz="3600" dirty="0" smtClean="0">
                 <a:latin typeface="Californian FB" panose="0207040306080B030204" pitchFamily="18" charset="0"/>
               </a:rPr>
-              <a:t> </a:t>
-            </a:r>
-            <a:r>
-              <a:rPr lang="en-US" sz="3200" dirty="0" smtClean="0">
+              <a:t>Search Results</a:t>
+            </a:r>
+          </a:p>
+          <a:p>
+            <a:pPr>
+              <a:buFont typeface="+mj-lt"/>
+              <a:buAutoNum type="arabicPeriod"/>
+            </a:pPr>
+            <a:r>
+              <a:rPr lang="en-US" sz="3600" dirty="0" smtClean="0">
                 <a:latin typeface="Californian FB" panose="0207040306080B030204" pitchFamily="18" charset="0"/>
               </a:rPr>
-              <a:t>Roman</a:t>
-            </a:r>
-            <a:endParaRPr lang="en-US" sz="3200" dirty="0">
-              <a:latin typeface="Californian FB" panose="0207040306080B030204" pitchFamily="18" charset="0"/>
-            </a:endParaRPr>
-          </a:p>
-          <a:p>
-            <a:r>
-              <a:rPr lang="en-US" sz="3200" dirty="0">
+              <a:t>NASA image of the day</a:t>
+            </a:r>
+          </a:p>
+          <a:p>
+            <a:pPr>
+              <a:buFont typeface="+mj-lt"/>
+              <a:buAutoNum type="arabicPeriod"/>
+            </a:pPr>
+            <a:r>
+              <a:rPr lang="en-US" sz="3600" dirty="0" smtClean="0">
                 <a:latin typeface="Californian FB" panose="0207040306080B030204" pitchFamily="18" charset="0"/>
               </a:rPr>
-              <a:t> </a:t>
-            </a:r>
-            <a:r>
-              <a:rPr lang="en-US" sz="3200" dirty="0" smtClean="0">
+              <a:t>About Us</a:t>
+            </a:r>
+          </a:p>
+          <a:p>
+            <a:pPr>
+              <a:buFont typeface="+mj-lt"/>
+              <a:buAutoNum type="arabicPeriod"/>
+            </a:pPr>
+            <a:r>
+              <a:rPr lang="en-US" sz="3600" dirty="0" smtClean="0">
                 <a:latin typeface="Californian FB" panose="0207040306080B030204" pitchFamily="18" charset="0"/>
               </a:rPr>
-              <a:t>James</a:t>
-            </a:r>
-            <a:endParaRPr lang="en-US" sz="3200" dirty="0">
-              <a:latin typeface="Californian FB" panose="0207040306080B030204" pitchFamily="18" charset="0"/>
-            </a:endParaRPr>
-          </a:p>
-          <a:p>
-            <a:r>
-              <a:rPr lang="en-US" sz="3200" dirty="0">
-                <a:latin typeface="Californian FB" panose="0207040306080B030204" pitchFamily="18" charset="0"/>
-              </a:rPr>
-              <a:t> </a:t>
-            </a:r>
-            <a:r>
-              <a:rPr lang="en-US" sz="3200" dirty="0" smtClean="0">
-                <a:latin typeface="Californian FB" panose="0207040306080B030204" pitchFamily="18" charset="0"/>
-              </a:rPr>
-              <a:t>Shubham</a:t>
-            </a:r>
-            <a:endParaRPr lang="en-US" sz="3200" dirty="0">
-              <a:latin typeface="Californian FB" panose="0207040306080B030204" pitchFamily="18" charset="0"/>
-            </a:endParaRPr>
-          </a:p>
-          <a:p>
-            <a:endParaRPr lang="en-US" dirty="0"/>
+              <a:t>Contact</a:t>
+            </a:r>
           </a:p>
         </p:txBody>
       </p:sp>
     </p:spTree>
     <p:extLst>
       <p:ext uri="{BB962C8B-B14F-4D97-AF65-F5344CB8AC3E}">
-        <p14:creationId xmlns:p14="http://schemas.microsoft.com/office/powerpoint/2010/main" val="1310498405"/>
+        <p14:creationId xmlns:p14="http://schemas.microsoft.com/office/powerpoint/2010/main" xmlns:p="http://schemas.openxmlformats.org/presentationml/2006/main" xmlns:r="http://schemas.openxmlformats.org/officeDocument/2006/relationships" xmlns:a="http://schemas.openxmlformats.org/drawingml/2006/main" xmlns="" val="1073814173"/>
       </p:ext>
     </p:extLst>
   </p:cSld>
@@ -8154,8 +8223,8 @@
 </p:sld>
 </file>
 
-<file path=ppt/slides/slide4.xml><?xml version="1.0" encoding="utf-8"?>
-<p:sld xmlns:a="http://schemas.openxmlformats.org/drawingml/2006/main" xmlns:r="http://schemas.openxmlformats.org/officeDocument/2006/relationships" xmlns:p="http://schemas.openxmlformats.org/presentationml/2006/main">
+<file path=ppt/slides/slide5.xml><?xml version="1.0" encoding="utf-8"?>
+<p:sld xmlns:a="http://schemas.openxmlformats.org/drawingml/2006/main" xmlns:r="http://schemas.openxmlformats.org/officeDocument/2006/relationships" xmlns:mc="http://schemas.openxmlformats.org/markup-compatibility/2006" xmlns:mv="urn:schemas-microsoft-com:mac:vml" xmlns:p="http://schemas.openxmlformats.org/presentationml/2006/main" mc:Ignorable="mv" mc:PreserveAttributes="mv:*">
   <p:cSld>
     <p:spTree>
       <p:nvGrpSpPr>
@@ -8184,189 +8253,6 @@
         <p:spPr>
           <a:xfrm>
             <a:off x="2592925" y="624110"/>
-            <a:ext cx="8911687" cy="444836"/>
-          </a:xfrm>
-        </p:spPr>
-        <p:txBody>
-          <a:bodyPr>
-            <a:normAutofit fontScale="90000"/>
-          </a:bodyPr>
-          <a:lstStyle/>
-          <a:p>
-            <a:r>
-              <a:rPr lang="en-US" dirty="0"/>
-              <a:t>Page Contents</a:t>
-            </a:r>
-            <a:br>
-              <a:rPr lang="en-US" dirty="0"/>
-            </a:br>
-            <a:endParaRPr lang="en-US" dirty="0"/>
-          </a:p>
-        </p:txBody>
-      </p:sp>
-      <p:sp>
-        <p:nvSpPr>
-          <p:cNvPr id="3" name="Content Placeholder 2"/>
-          <p:cNvSpPr>
-            <a:spLocks noGrp="1"/>
-          </p:cNvSpPr>
-          <p:nvPr>
-            <p:ph idx="1"/>
-          </p:nvPr>
-        </p:nvSpPr>
-        <p:spPr>
-          <a:xfrm>
-            <a:off x="2589212" y="1390918"/>
-            <a:ext cx="8915400" cy="4520304"/>
-          </a:xfrm>
-        </p:spPr>
-        <p:txBody>
-          <a:bodyPr/>
-          <a:lstStyle/>
-          <a:p>
-            <a:pPr marL="0" indent="0">
-              <a:buNone/>
-            </a:pPr>
-            <a:endParaRPr lang="en-US" dirty="0"/>
-          </a:p>
-          <a:p>
-            <a:pPr>
-              <a:buFont typeface="+mj-lt"/>
-              <a:buAutoNum type="arabicPeriod"/>
-            </a:pPr>
-            <a:r>
-              <a:rPr lang="en-US" sz="3600" dirty="0" smtClean="0">
-                <a:latin typeface="Californian FB" panose="0207040306080B030204" pitchFamily="18" charset="0"/>
-              </a:rPr>
-              <a:t>Home </a:t>
-            </a:r>
-            <a:r>
-              <a:rPr lang="en-US" sz="3600" dirty="0" smtClean="0">
-                <a:latin typeface="Californian FB" panose="0207040306080B030204" pitchFamily="18" charset="0"/>
-              </a:rPr>
-              <a:t>Page </a:t>
-            </a:r>
-          </a:p>
-          <a:p>
-            <a:pPr>
-              <a:buFont typeface="+mj-lt"/>
-              <a:buAutoNum type="arabicPeriod"/>
-            </a:pPr>
-            <a:r>
-              <a:rPr lang="en-US" sz="3600" dirty="0" smtClean="0">
-                <a:latin typeface="Californian FB" panose="0207040306080B030204" pitchFamily="18" charset="0"/>
-              </a:rPr>
-              <a:t>New Search</a:t>
-            </a:r>
-          </a:p>
-          <a:p>
-            <a:pPr>
-              <a:buFont typeface="+mj-lt"/>
-              <a:buAutoNum type="arabicPeriod"/>
-            </a:pPr>
-            <a:r>
-              <a:rPr lang="en-US" sz="3600" dirty="0" smtClean="0">
-                <a:latin typeface="Californian FB" panose="0207040306080B030204" pitchFamily="18" charset="0"/>
-              </a:rPr>
-              <a:t>Search </a:t>
-            </a:r>
-            <a:r>
-              <a:rPr lang="en-US" sz="3600" dirty="0" smtClean="0">
-                <a:latin typeface="Californian FB" panose="0207040306080B030204" pitchFamily="18" charset="0"/>
-              </a:rPr>
-              <a:t>Results</a:t>
-            </a:r>
-          </a:p>
-          <a:p>
-            <a:pPr>
-              <a:buFont typeface="+mj-lt"/>
-              <a:buAutoNum type="arabicPeriod"/>
-            </a:pPr>
-            <a:r>
-              <a:rPr lang="en-US" sz="3600" dirty="0" smtClean="0">
-                <a:latin typeface="Californian FB" panose="0207040306080B030204" pitchFamily="18" charset="0"/>
-              </a:rPr>
-              <a:t>NASA image </a:t>
-            </a:r>
-            <a:r>
-              <a:rPr lang="en-US" sz="3600" dirty="0" smtClean="0">
-                <a:latin typeface="Californian FB" panose="0207040306080B030204" pitchFamily="18" charset="0"/>
-              </a:rPr>
-              <a:t>of the day</a:t>
-            </a:r>
-          </a:p>
-          <a:p>
-            <a:pPr>
-              <a:buFont typeface="+mj-lt"/>
-              <a:buAutoNum type="arabicPeriod"/>
-            </a:pPr>
-            <a:r>
-              <a:rPr lang="en-US" sz="3600" dirty="0" smtClean="0">
-                <a:latin typeface="Californian FB" panose="0207040306080B030204" pitchFamily="18" charset="0"/>
-              </a:rPr>
-              <a:t>About Us</a:t>
-            </a:r>
-          </a:p>
-          <a:p>
-            <a:pPr>
-              <a:buFont typeface="+mj-lt"/>
-              <a:buAutoNum type="arabicPeriod"/>
-            </a:pPr>
-            <a:r>
-              <a:rPr lang="en-US" sz="3600" dirty="0" smtClean="0">
-                <a:latin typeface="Californian FB" panose="0207040306080B030204" pitchFamily="18" charset="0"/>
-              </a:rPr>
-              <a:t>Contact</a:t>
-            </a:r>
-            <a:endParaRPr lang="en-US" sz="3600" dirty="0" smtClean="0">
-              <a:latin typeface="Californian FB" panose="0207040306080B030204" pitchFamily="18" charset="0"/>
-            </a:endParaRPr>
-          </a:p>
-        </p:txBody>
-      </p:sp>
-    </p:spTree>
-    <p:extLst>
-      <p:ext uri="{BB962C8B-B14F-4D97-AF65-F5344CB8AC3E}">
-        <p14:creationId xmlns:p14="http://schemas.microsoft.com/office/powerpoint/2010/main" val="1073814173"/>
-      </p:ext>
-    </p:extLst>
-  </p:cSld>
-  <p:clrMapOvr>
-    <a:masterClrMapping/>
-  </p:clrMapOvr>
-</p:sld>
-</file>
-
-<file path=ppt/slides/slide5.xml><?xml version="1.0" encoding="utf-8"?>
-<p:sld xmlns:a="http://schemas.openxmlformats.org/drawingml/2006/main" xmlns:r="http://schemas.openxmlformats.org/officeDocument/2006/relationships" xmlns:p="http://schemas.openxmlformats.org/presentationml/2006/main">
-  <p:cSld>
-    <p:spTree>
-      <p:nvGrpSpPr>
-        <p:cNvPr id="1" name=""/>
-        <p:cNvGrpSpPr/>
-        <p:nvPr/>
-      </p:nvGrpSpPr>
-      <p:grpSpPr>
-        <a:xfrm>
-          <a:off x="0" y="0"/>
-          <a:ext cx="0" cy="0"/>
-          <a:chOff x="0" y="0"/>
-          <a:chExt cx="0" cy="0"/>
-        </a:xfrm>
-      </p:grpSpPr>
-      <p:sp>
-        <p:nvSpPr>
-          <p:cNvPr id="2" name="Title 1"/>
-          <p:cNvSpPr>
-            <a:spLocks noGrp="1"/>
-          </p:cNvSpPr>
-          <p:nvPr>
-            <p:ph type="title"/>
-          </p:nvPr>
-        </p:nvSpPr>
-        <p:spPr>
-          <a:xfrm>
-            <a:off x="2592925" y="624110"/>
             <a:ext cx="8911687" cy="547867"/>
           </a:xfrm>
         </p:spPr>
@@ -8434,13 +8320,7 @@
               <a:rPr lang="en-US" sz="2400" dirty="0" smtClean="0">
                 <a:latin typeface="Californian FB" panose="0207040306080B030204" pitchFamily="18" charset="0"/>
               </a:rPr>
-              <a:t>Also gives our users a table with current data of the closest encounters by date</a:t>
-            </a:r>
-            <a:r>
-              <a:rPr lang="en-US" sz="2400" dirty="0" smtClean="0">
-                <a:latin typeface="Californian FB" panose="0207040306080B030204" pitchFamily="18" charset="0"/>
-              </a:rPr>
-              <a:t>.</a:t>
+              <a:t>Also gives our users a table with current data of the closest encounters by date.</a:t>
             </a:r>
           </a:p>
           <a:p>
@@ -8450,22 +8330,13 @@
               </a:rPr>
               <a:t>Meteors data</a:t>
             </a:r>
-            <a:endParaRPr lang="en-US" sz="2400" dirty="0" smtClean="0">
-              <a:latin typeface="Californian FB" panose="0207040306080B030204" pitchFamily="18" charset="0"/>
-            </a:endParaRPr>
           </a:p>
           <a:p>
             <a:r>
               <a:rPr lang="en-US" sz="2400" dirty="0" smtClean="0">
                 <a:latin typeface="Californian FB" panose="0207040306080B030204" pitchFamily="18" charset="0"/>
               </a:rPr>
-              <a:t>Ability to navigate to different routes from </a:t>
-            </a:r>
-            <a:r>
-              <a:rPr lang="en-US" sz="2400" dirty="0" smtClean="0">
-                <a:latin typeface="Californian FB" panose="0207040306080B030204" pitchFamily="18" charset="0"/>
-              </a:rPr>
-              <a:t>Navigation bar</a:t>
+              <a:t>Ability to navigate to different routes from Navigation bar</a:t>
             </a:r>
             <a:endParaRPr lang="en-US" sz="2400" dirty="0">
               <a:latin typeface="Californian FB" panose="0207040306080B030204" pitchFamily="18" charset="0"/>
@@ -8476,7 +8347,7 @@
     </p:spTree>
     <p:extLst>
       <p:ext uri="{BB962C8B-B14F-4D97-AF65-F5344CB8AC3E}">
-        <p14:creationId xmlns:p14="http://schemas.microsoft.com/office/powerpoint/2010/main" val="2563218474"/>
+        <p14:creationId xmlns:p14="http://schemas.microsoft.com/office/powerpoint/2010/main" xmlns:p="http://schemas.openxmlformats.org/presentationml/2006/main" xmlns:r="http://schemas.openxmlformats.org/officeDocument/2006/relationships" xmlns:a="http://schemas.openxmlformats.org/drawingml/2006/main" xmlns="" val="2563218474"/>
       </p:ext>
     </p:extLst>
   </p:cSld>
@@ -8494,7 +8365,7 @@
 </file>
 
 <file path=ppt/slides/slide6.xml><?xml version="1.0" encoding="utf-8"?>
-<p:sld xmlns:a="http://schemas.openxmlformats.org/drawingml/2006/main" xmlns:r="http://schemas.openxmlformats.org/officeDocument/2006/relationships" xmlns:p="http://schemas.openxmlformats.org/presentationml/2006/main">
+<p:sld xmlns:a="http://schemas.openxmlformats.org/drawingml/2006/main" xmlns:r="http://schemas.openxmlformats.org/officeDocument/2006/relationships" xmlns:mc="http://schemas.openxmlformats.org/markup-compatibility/2006" xmlns:mv="urn:schemas-microsoft-com:mac:vml" xmlns:p="http://schemas.openxmlformats.org/presentationml/2006/main" mc:Ignorable="mv" mc:PreserveAttributes="mv:*">
   <p:cSld>
     <p:spTree>
       <p:nvGrpSpPr>
@@ -8573,25 +8444,7 @@
               <a:rPr lang="en-US" sz="2000" dirty="0" smtClean="0">
                 <a:latin typeface="Californian FB" panose="0207040306080B030204" pitchFamily="18" charset="0"/>
               </a:rPr>
-              <a:t>User can search </a:t>
-            </a:r>
-            <a:r>
-              <a:rPr lang="en-US" sz="2000" dirty="0" smtClean="0">
-                <a:latin typeface="Californian FB" panose="0207040306080B030204" pitchFamily="18" charset="0"/>
-              </a:rPr>
-              <a:t>upcoming Asteroids </a:t>
-            </a:r>
-            <a:r>
-              <a:rPr lang="en-US" sz="2000" dirty="0" smtClean="0">
-                <a:latin typeface="Californian FB" panose="0207040306080B030204" pitchFamily="18" charset="0"/>
-              </a:rPr>
-              <a:t>based on Start Date and End </a:t>
-            </a:r>
-            <a:r>
-              <a:rPr lang="en-US" sz="2000" dirty="0" smtClean="0">
-                <a:latin typeface="Californian FB" panose="0207040306080B030204" pitchFamily="18" charset="0"/>
-              </a:rPr>
-              <a:t>Date</a:t>
+              <a:t>User can search upcoming Asteroids based on Start Date and End Date</a:t>
             </a:r>
           </a:p>
           <a:p>
@@ -8610,9 +8463,6 @@
               </a:rPr>
               <a:t>         - On valid search users are redirected to results page</a:t>
             </a:r>
-            <a:endParaRPr lang="en-US" sz="2000" dirty="0" smtClean="0">
-              <a:latin typeface="Californian FB" panose="0207040306080B030204" pitchFamily="18" charset="0"/>
-            </a:endParaRPr>
           </a:p>
           <a:p>
             <a:r>
@@ -8641,7 +8491,7 @@
     </p:spTree>
     <p:extLst>
       <p:ext uri="{BB962C8B-B14F-4D97-AF65-F5344CB8AC3E}">
-        <p14:creationId xmlns:p14="http://schemas.microsoft.com/office/powerpoint/2010/main" val="2031747314"/>
+        <p14:creationId xmlns:p14="http://schemas.microsoft.com/office/powerpoint/2010/main" xmlns:p="http://schemas.openxmlformats.org/presentationml/2006/main" xmlns:r="http://schemas.openxmlformats.org/officeDocument/2006/relationships" xmlns:a="http://schemas.openxmlformats.org/drawingml/2006/main" xmlns="" val="2031747314"/>
       </p:ext>
     </p:extLst>
   </p:cSld>
@@ -8659,7 +8509,7 @@
 </file>
 
 <file path=ppt/slides/slide7.xml><?xml version="1.0" encoding="utf-8"?>
-<p:sld xmlns:a="http://schemas.openxmlformats.org/drawingml/2006/main" xmlns:r="http://schemas.openxmlformats.org/officeDocument/2006/relationships" xmlns:p="http://schemas.openxmlformats.org/presentationml/2006/main">
+<p:sld xmlns:a="http://schemas.openxmlformats.org/drawingml/2006/main" xmlns:r="http://schemas.openxmlformats.org/officeDocument/2006/relationships" xmlns:mc="http://schemas.openxmlformats.org/markup-compatibility/2006" xmlns:mv="urn:schemas-microsoft-com:mac:vml" xmlns:p="http://schemas.openxmlformats.org/presentationml/2006/main" mc:Ignorable="mv" mc:PreserveAttributes="mv:*">
   <p:cSld>
     <p:spTree>
       <p:nvGrpSpPr>
@@ -8724,13 +8574,7 @@
               <a:rPr lang="en-US" sz="2400" dirty="0" smtClean="0">
                 <a:latin typeface="Californian FB" panose="0207040306080B030204" pitchFamily="18" charset="0"/>
               </a:rPr>
-              <a:t>     Search </a:t>
-            </a:r>
-            <a:r>
-              <a:rPr lang="en-US" sz="2400" dirty="0" smtClean="0">
-                <a:latin typeface="Californian FB" panose="0207040306080B030204" pitchFamily="18" charset="0"/>
-              </a:rPr>
-              <a:t>Results Page</a:t>
+              <a:t>     Search Results Page</a:t>
             </a:r>
           </a:p>
           <a:p>
@@ -8756,9 +8600,6 @@
               </a:rPr>
               <a:t>Viewing orbit diagram is also available for each search results</a:t>
             </a:r>
-            <a:endParaRPr lang="en-US" sz="2400" dirty="0" smtClean="0">
-              <a:latin typeface="Californian FB" panose="0207040306080B030204" pitchFamily="18" charset="0"/>
-            </a:endParaRPr>
           </a:p>
           <a:p>
             <a:pPr>
@@ -8772,7 +8613,7 @@
     </p:spTree>
     <p:extLst>
       <p:ext uri="{BB962C8B-B14F-4D97-AF65-F5344CB8AC3E}">
-        <p14:creationId xmlns:p14="http://schemas.microsoft.com/office/powerpoint/2010/main" val="3026166304"/>
+        <p14:creationId xmlns:p14="http://schemas.microsoft.com/office/powerpoint/2010/main" xmlns:p="http://schemas.openxmlformats.org/presentationml/2006/main" xmlns:r="http://schemas.openxmlformats.org/officeDocument/2006/relationships" xmlns:a="http://schemas.openxmlformats.org/drawingml/2006/main" xmlns="" val="3026166304"/>
       </p:ext>
     </p:extLst>
   </p:cSld>
@@ -8790,7 +8631,7 @@
 </file>
 
 <file path=ppt/slides/slide8.xml><?xml version="1.0" encoding="utf-8"?>
-<p:sld xmlns:a="http://schemas.openxmlformats.org/drawingml/2006/main" xmlns:r="http://schemas.openxmlformats.org/officeDocument/2006/relationships" xmlns:p="http://schemas.openxmlformats.org/presentationml/2006/main">
+<p:sld xmlns:a="http://schemas.openxmlformats.org/drawingml/2006/main" xmlns:r="http://schemas.openxmlformats.org/officeDocument/2006/relationships" xmlns:mc="http://schemas.openxmlformats.org/markup-compatibility/2006" xmlns:mv="urn:schemas-microsoft-com:mac:vml" xmlns:p="http://schemas.openxmlformats.org/presentationml/2006/main" mc:Ignorable="mv" mc:PreserveAttributes="mv:*">
   <p:cSld>
     <p:spTree>
       <p:nvGrpSpPr>
@@ -8879,7 +8720,7 @@
     </p:spTree>
     <p:extLst>
       <p:ext uri="{BB962C8B-B14F-4D97-AF65-F5344CB8AC3E}">
-        <p14:creationId xmlns:p14="http://schemas.microsoft.com/office/powerpoint/2010/main" val="393778040"/>
+        <p14:creationId xmlns:p14="http://schemas.microsoft.com/office/powerpoint/2010/main" xmlns:p="http://schemas.openxmlformats.org/presentationml/2006/main" xmlns:r="http://schemas.openxmlformats.org/officeDocument/2006/relationships" xmlns:a="http://schemas.openxmlformats.org/drawingml/2006/main" xmlns="" val="393778040"/>
       </p:ext>
     </p:extLst>
   </p:cSld>
@@ -8890,7 +8731,7 @@
 </file>
 
 <file path=ppt/slides/slide9.xml><?xml version="1.0" encoding="utf-8"?>
-<p:sld xmlns:a="http://schemas.openxmlformats.org/drawingml/2006/main" xmlns:r="http://schemas.openxmlformats.org/officeDocument/2006/relationships" xmlns:p="http://schemas.openxmlformats.org/presentationml/2006/main">
+<p:sld xmlns:a="http://schemas.openxmlformats.org/drawingml/2006/main" xmlns:r="http://schemas.openxmlformats.org/officeDocument/2006/relationships" xmlns:mc="http://schemas.openxmlformats.org/markup-compatibility/2006" xmlns:mv="urn:schemas-microsoft-com:mac:vml" xmlns:p="http://schemas.openxmlformats.org/presentationml/2006/main" mc:Ignorable="mv" mc:PreserveAttributes="mv:*">
   <p:cSld>
     <p:spTree>
       <p:nvGrpSpPr>
@@ -8973,13 +8814,7 @@
               <a:rPr lang="en-US" sz="2000" dirty="0" smtClean="0">
                 <a:latin typeface="Californian FB" panose="0207040306080B030204" pitchFamily="18" charset="0"/>
               </a:rPr>
-              <a:t>JAVA </a:t>
-            </a:r>
-            <a:r>
-              <a:rPr lang="en-US" sz="2000" dirty="0" smtClean="0">
-                <a:latin typeface="Californian FB" panose="0207040306080B030204" pitchFamily="18" charset="0"/>
-              </a:rPr>
-              <a:t>Script</a:t>
+              <a:t>JAVA Script</a:t>
             </a:r>
           </a:p>
           <a:p>
@@ -8993,9 +8828,6 @@
               </a:rPr>
               <a:t>Node.js</a:t>
             </a:r>
-            <a:endParaRPr lang="en-US" sz="2000" dirty="0" smtClean="0">
-              <a:latin typeface="Californian FB" panose="0207040306080B030204" pitchFamily="18" charset="0"/>
-            </a:endParaRPr>
           </a:p>
           <a:p>
             <a:pPr>
@@ -9003,14 +8835,11 @@
               <a:buChar char="•"/>
             </a:pPr>
             <a:r>
-              <a:rPr lang="en-US" sz="2000" dirty="0" err="1" smtClean="0">
+              <a:rPr lang="en-US" sz="2000" dirty="0" smtClean="0">
                 <a:latin typeface="Californian FB" panose="0207040306080B030204" pitchFamily="18" charset="0"/>
               </a:rPr>
               <a:t>ejs</a:t>
             </a:r>
-            <a:endParaRPr lang="en-US" sz="2000" dirty="0" smtClean="0">
-              <a:latin typeface="Californian FB" panose="0207040306080B030204" pitchFamily="18" charset="0"/>
-            </a:endParaRPr>
           </a:p>
           <a:p>
             <a:pPr>
@@ -9018,14 +8847,11 @@
               <a:buChar char="•"/>
             </a:pPr>
             <a:r>
-              <a:rPr lang="en-US" sz="2000" dirty="0" err="1" smtClean="0">
+              <a:rPr lang="en-US" sz="2000" dirty="0" smtClean="0">
                 <a:latin typeface="Californian FB" panose="0207040306080B030204" pitchFamily="18" charset="0"/>
               </a:rPr>
               <a:t>Postgresql</a:t>
             </a:r>
-            <a:endParaRPr lang="en-US" sz="2000" dirty="0" smtClean="0">
-              <a:latin typeface="Californian FB" panose="0207040306080B030204" pitchFamily="18" charset="0"/>
-            </a:endParaRPr>
           </a:p>
           <a:p>
             <a:pPr>
@@ -9045,14 +8871,11 @@
               <a:buChar char="•"/>
             </a:pPr>
             <a:r>
-              <a:rPr lang="en-US" sz="2000" dirty="0" err="1" smtClean="0">
+              <a:rPr lang="en-US" sz="2000" dirty="0" smtClean="0">
                 <a:latin typeface="Californian FB" panose="0207040306080B030204" pitchFamily="18" charset="0"/>
               </a:rPr>
               <a:t>Cors</a:t>
             </a:r>
-            <a:endParaRPr lang="en-US" sz="2000" dirty="0" smtClean="0">
-              <a:latin typeface="Californian FB" panose="0207040306080B030204" pitchFamily="18" charset="0"/>
-            </a:endParaRPr>
           </a:p>
           <a:p>
             <a:pPr>
@@ -9072,7 +8895,7 @@
               <a:buChar char="•"/>
             </a:pPr>
             <a:r>
-              <a:rPr lang="en-US" sz="2000" dirty="0" err="1" smtClean="0">
+              <a:rPr lang="en-US" sz="2000" dirty="0" smtClean="0">
                 <a:latin typeface="Californian FB" panose="0207040306080B030204" pitchFamily="18" charset="0"/>
               </a:rPr>
               <a:t>Jquery</a:t>
@@ -9086,7 +8909,7 @@
     </p:spTree>
     <p:extLst>
       <p:ext uri="{BB962C8B-B14F-4D97-AF65-F5344CB8AC3E}">
-        <p14:creationId xmlns:p14="http://schemas.microsoft.com/office/powerpoint/2010/main" val="2187213388"/>
+        <p14:creationId xmlns:p14="http://schemas.microsoft.com/office/powerpoint/2010/main" xmlns:p="http://schemas.openxmlformats.org/presentationml/2006/main" xmlns:r="http://schemas.openxmlformats.org/officeDocument/2006/relationships" xmlns:a="http://schemas.openxmlformats.org/drawingml/2006/main" xmlns="" val="2187213388"/>
       </p:ext>
     </p:extLst>
   </p:cSld>
@@ -9146,7 +8969,7 @@
     </a:clrScheme>
     <a:fontScheme name="Wisp">
       <a:majorFont>
-        <a:latin typeface="Century Gothic" panose="020B0502020202020204"/>
+        <a:latin typeface="Century Gothic"/>
         <a:ea typeface=""/>
         <a:cs typeface=""/>
         <a:font script="Jpan" typeface="メイリオ"/>
@@ -9181,7 +9004,7 @@
         <a:font script="Geor" typeface="Sylfaen"/>
       </a:majorFont>
       <a:minorFont>
-        <a:latin typeface="Century Gothic" panose="020B0502020202020204"/>
+        <a:latin typeface="Century Gothic"/>
         <a:ea typeface=""/>
         <a:cs typeface=""/>
         <a:font script="Jpan" typeface="メイリオ"/>
@@ -9340,7 +9163,7 @@
   <a:extraClrSchemeLst/>
   <a:extLst>
     <a:ext uri="{05A4C25C-085E-4340-85A3-A5531E510DB2}">
-      <thm15:themeFamily xmlns:thm15="http://schemas.microsoft.com/office/thememl/2012/main" name="Wisp" id="{7CB32D59-10C0-40DD-B7BD-2E94284A981C}" vid="{24B1A44C-C006-48B2-A4D7-E5549B3D8CD4}"/>
+      <thm15:themeFamily xmlns:thm15="http://schemas.microsoft.com/office/thememl/2012/main" xmlns:a="http://schemas.openxmlformats.org/drawingml/2006/main" xmlns="" name="Wisp" id="{7CB32D59-10C0-40DD-B7BD-2E94284A981C}" vid="{24B1A44C-C006-48B2-A4D7-E5549B3D8CD4}"/>
     </a:ext>
   </a:extLst>
 </a:theme>
